--- a/doc/Cache.pptx
+++ b/doc/Cache.pptx
@@ -218,7 +218,7 @@
           <a:p>
             <a:fld id="{AECE1B26-6A74-492D-B04F-94149A6AB4F8}" type="datetimeFigureOut">
               <a:rPr lang="zh-CN" altLang="en-US" smtClean="0"/>
-              <a:t>2018/7/25</a:t>
+              <a:t>2018/7/26</a:t>
             </a:fld>
             <a:endParaRPr lang="zh-CN" altLang="en-US"/>
           </a:p>
@@ -1289,7 +1289,7 @@
           <a:p>
             <a:fld id="{3D0A598E-1133-4548-9FE0-915161A3608D}" type="datetimeFigureOut">
               <a:rPr lang="zh-CN" altLang="en-US" smtClean="0"/>
-              <a:t>2018/7/25</a:t>
+              <a:t>2018/7/26</a:t>
             </a:fld>
             <a:endParaRPr lang="zh-CN" altLang="en-US"/>
           </a:p>
@@ -1459,7 +1459,7 @@
           <a:p>
             <a:fld id="{3D0A598E-1133-4548-9FE0-915161A3608D}" type="datetimeFigureOut">
               <a:rPr lang="zh-CN" altLang="en-US" smtClean="0"/>
-              <a:t>2018/7/25</a:t>
+              <a:t>2018/7/26</a:t>
             </a:fld>
             <a:endParaRPr lang="zh-CN" altLang="en-US"/>
           </a:p>
@@ -1639,7 +1639,7 @@
           <a:p>
             <a:fld id="{3D0A598E-1133-4548-9FE0-915161A3608D}" type="datetimeFigureOut">
               <a:rPr lang="zh-CN" altLang="en-US" smtClean="0"/>
-              <a:t>2018/7/25</a:t>
+              <a:t>2018/7/26</a:t>
             </a:fld>
             <a:endParaRPr lang="zh-CN" altLang="en-US"/>
           </a:p>
@@ -1809,7 +1809,7 @@
           <a:p>
             <a:fld id="{3D0A598E-1133-4548-9FE0-915161A3608D}" type="datetimeFigureOut">
               <a:rPr lang="zh-CN" altLang="en-US" smtClean="0"/>
-              <a:t>2018/7/25</a:t>
+              <a:t>2018/7/26</a:t>
             </a:fld>
             <a:endParaRPr lang="zh-CN" altLang="en-US"/>
           </a:p>
@@ -2055,7 +2055,7 @@
           <a:p>
             <a:fld id="{3D0A598E-1133-4548-9FE0-915161A3608D}" type="datetimeFigureOut">
               <a:rPr lang="zh-CN" altLang="en-US" smtClean="0"/>
-              <a:t>2018/7/25</a:t>
+              <a:t>2018/7/26</a:t>
             </a:fld>
             <a:endParaRPr lang="zh-CN" altLang="en-US"/>
           </a:p>
@@ -2287,7 +2287,7 @@
           <a:p>
             <a:fld id="{3D0A598E-1133-4548-9FE0-915161A3608D}" type="datetimeFigureOut">
               <a:rPr lang="zh-CN" altLang="en-US" smtClean="0"/>
-              <a:t>2018/7/25</a:t>
+              <a:t>2018/7/26</a:t>
             </a:fld>
             <a:endParaRPr lang="zh-CN" altLang="en-US"/>
           </a:p>
@@ -2654,7 +2654,7 @@
           <a:p>
             <a:fld id="{3D0A598E-1133-4548-9FE0-915161A3608D}" type="datetimeFigureOut">
               <a:rPr lang="zh-CN" altLang="en-US" smtClean="0"/>
-              <a:t>2018/7/25</a:t>
+              <a:t>2018/7/26</a:t>
             </a:fld>
             <a:endParaRPr lang="zh-CN" altLang="en-US"/>
           </a:p>
@@ -3265,7 +3265,7 @@
           <a:p>
             <a:fld id="{3D0A598E-1133-4548-9FE0-915161A3608D}" type="datetimeFigureOut">
               <a:rPr lang="zh-CN" altLang="en-US" smtClean="0"/>
-              <a:t>2018/7/25</a:t>
+              <a:t>2018/7/26</a:t>
             </a:fld>
             <a:endParaRPr lang="zh-CN" altLang="en-US"/>
           </a:p>
@@ -3360,7 +3360,7 @@
           <a:p>
             <a:fld id="{3D0A598E-1133-4548-9FE0-915161A3608D}" type="datetimeFigureOut">
               <a:rPr lang="zh-CN" altLang="en-US" smtClean="0"/>
-              <a:t>2018/7/25</a:t>
+              <a:t>2018/7/26</a:t>
             </a:fld>
             <a:endParaRPr lang="zh-CN" altLang="en-US"/>
           </a:p>
@@ -3637,7 +3637,7 @@
           <a:p>
             <a:fld id="{3D0A598E-1133-4548-9FE0-915161A3608D}" type="datetimeFigureOut">
               <a:rPr lang="zh-CN" altLang="en-US" smtClean="0"/>
-              <a:t>2018/7/25</a:t>
+              <a:t>2018/7/26</a:t>
             </a:fld>
             <a:endParaRPr lang="zh-CN" altLang="en-US"/>
           </a:p>
@@ -3890,7 +3890,7 @@
           <a:p>
             <a:fld id="{3D0A598E-1133-4548-9FE0-915161A3608D}" type="datetimeFigureOut">
               <a:rPr lang="zh-CN" altLang="en-US" smtClean="0"/>
-              <a:t>2018/7/25</a:t>
+              <a:t>2018/7/26</a:t>
             </a:fld>
             <a:endParaRPr lang="zh-CN" altLang="en-US"/>
           </a:p>
@@ -4118,7 +4118,7 @@
           <a:p>
             <a:fld id="{3D0A598E-1133-4548-9FE0-915161A3608D}" type="datetimeFigureOut">
               <a:rPr lang="zh-CN" altLang="en-US" smtClean="0"/>
-              <a:t>2018/7/25</a:t>
+              <a:t>2018/7/26</a:t>
             </a:fld>
             <a:endParaRPr lang="zh-CN" altLang="en-US"/>
           </a:p>
@@ -12758,26 +12758,7 @@
                 <a:ea typeface="Tahoma" pitchFamily="34" charset="0"/>
                 <a:cs typeface="Tahoma" pitchFamily="34" charset="0"/>
               </a:rPr>
-              <a:t>无</a:t>
-            </a:r>
-            <a:r>
-              <a:rPr lang="zh-CN" altLang="en-US" sz="3600" dirty="0">
-                <a:solidFill>
-                  <a:schemeClr val="bg1"/>
-                </a:solidFill>
-                <a:effectLst>
-                  <a:glow rad="228600">
-                    <a:schemeClr val="accent3">
-                      <a:satMod val="175000"/>
-                      <a:alpha val="40000"/>
-                    </a:schemeClr>
-                  </a:glow>
-                </a:effectLst>
-                <a:latin typeface="Calibri" panose="020F0502020204030204" pitchFamily="34" charset="0"/>
-                <a:ea typeface="Tahoma" pitchFamily="34" charset="0"/>
-                <a:cs typeface="Tahoma" pitchFamily="34" charset="0"/>
-              </a:rPr>
-              <a:t>清理</a:t>
+              <a:t>无清理</a:t>
             </a:r>
             <a:r>
               <a:rPr lang="zh-CN" altLang="en-US" sz="3600" dirty="0" smtClean="0">
@@ -15305,13 +15286,13 @@
   <p:clrMapOvr>
     <a:masterClrMapping/>
   </p:clrMapOvr>
-  <mc:AlternateContent xmlns:mc="http://schemas.openxmlformats.org/markup-compatibility/2006">
-    <mc:Choice xmlns:p14="http://schemas.microsoft.com/office/powerpoint/2010/main" Requires="p14">
+  <mc:AlternateContent xmlns:mc="http://schemas.openxmlformats.org/markup-compatibility/2006" xmlns:p14="http://schemas.microsoft.com/office/powerpoint/2010/main">
+    <mc:Choice Requires="p14">
       <p:transition spd="slow" p14:dur="1200">
         <p14:prism/>
       </p:transition>
     </mc:Choice>
-    <mc:Fallback>
+    <mc:Fallback xmlns="">
       <p:transition spd="slow">
         <p:fade/>
       </p:transition>
@@ -17365,13 +17346,13 @@
   <p:clrMapOvr>
     <a:masterClrMapping/>
   </p:clrMapOvr>
-  <mc:AlternateContent xmlns:mc="http://schemas.openxmlformats.org/markup-compatibility/2006">
-    <mc:Choice xmlns:p14="http://schemas.microsoft.com/office/powerpoint/2010/main" Requires="p14">
+  <mc:AlternateContent xmlns:mc="http://schemas.openxmlformats.org/markup-compatibility/2006" xmlns:p14="http://schemas.microsoft.com/office/powerpoint/2010/main">
+    <mc:Choice Requires="p14">
       <p:transition spd="slow" p14:dur="1200">
         <p14:prism/>
       </p:transition>
     </mc:Choice>
-    <mc:Fallback>
+    <mc:Fallback xmlns="">
       <p:transition spd="slow">
         <p:fade/>
       </p:transition>
@@ -18429,8 +18410,8 @@
         </p:nvSpPr>
         <p:spPr bwMode="auto">
           <a:xfrm>
-            <a:off x="1678458" y="233572"/>
-            <a:ext cx="7467600" cy="648512"/>
+            <a:off x="0" y="157296"/>
+            <a:ext cx="4512424" cy="771623"/>
           </a:xfrm>
           <a:prstGeom prst="rect">
             <a:avLst/>
@@ -18466,9 +18447,8 @@
             </a:lvl1pPr>
           </a:lstStyle>
           <a:p>
-            <a:pPr latinLnBrk="0"/>
             <a:r>
-              <a:rPr lang="en-US" altLang="zh-CN" sz="3600" dirty="0" smtClean="0">
+              <a:rPr lang="en-US" altLang="zh-CN" dirty="0">
                 <a:effectLst/>
                 <a:latin typeface="Calibri" panose="020F0502020204030204" pitchFamily="34" charset="0"/>
               </a:rPr>
@@ -18479,14 +18459,14 @@
       </p:sp>
       <p:sp>
         <p:nvSpPr>
-          <p:cNvPr id="39" name="TextBox 13"/>
+          <p:cNvPr id="5" name="TextBox 66"/>
           <p:cNvSpPr txBox="1"/>
           <p:nvPr/>
         </p:nvSpPr>
         <p:spPr>
-          <a:xfrm>
-            <a:off x="2040963" y="1572838"/>
-            <a:ext cx="2471461" cy="369332"/>
+          <a:xfrm flipH="1">
+            <a:off x="1414995" y="1545777"/>
+            <a:ext cx="8478647" cy="338554"/>
           </a:xfrm>
           <a:prstGeom prst="rect">
             <a:avLst/>
@@ -18498,7 +18478,7 @@
           </a:bodyPr>
           <a:lstStyle/>
           <a:p>
-            <a:pPr algn="r">
+            <a:pPr>
               <a:buClr>
                 <a:schemeClr val="tx1">
                   <a:lumMod val="85000"/>
@@ -18507,11 +18487,362 @@
               </a:buClr>
               <a:buSzPct val="105000"/>
             </a:pPr>
-            <a:endParaRPr lang="en-US" altLang="ko-KR" b="1" dirty="0">
+            <a:r>
+              <a:rPr lang="en-US" altLang="zh-CN" sz="1600" dirty="0" smtClean="0">
+                <a:solidFill>
+                  <a:schemeClr val="bg1"/>
+                </a:solidFill>
+                <a:latin typeface="微软雅黑" pitchFamily="34" charset="-122"/>
+                <a:ea typeface="微软雅黑" pitchFamily="34" charset="-122"/>
+              </a:rPr>
+              <a:t>@Cacheable (value=“”,  key =“”,  condition=“”,  unless=“”,  sync=true)</a:t>
+            </a:r>
+            <a:endParaRPr lang="en-US" altLang="ko-KR" sz="1600" dirty="0">
               <a:solidFill>
                 <a:schemeClr val="bg1"/>
               </a:solidFill>
-              <a:latin typeface="Calibri" panose="020F0502020204030204" pitchFamily="34" charset="0"/>
+              <a:latin typeface="微软雅黑" pitchFamily="34" charset="-122"/>
+              <a:ea typeface="微软雅黑" pitchFamily="34" charset="-122"/>
+            </a:endParaRPr>
+          </a:p>
+        </p:txBody>
+      </p:sp>
+      <p:sp>
+        <p:nvSpPr>
+          <p:cNvPr id="6" name="TextBox 66"/>
+          <p:cNvSpPr txBox="1"/>
+          <p:nvPr/>
+        </p:nvSpPr>
+        <p:spPr>
+          <a:xfrm flipH="1">
+            <a:off x="1414994" y="2488784"/>
+            <a:ext cx="9458952" cy="338554"/>
+          </a:xfrm>
+          <a:prstGeom prst="rect">
+            <a:avLst/>
+          </a:prstGeom>
+        </p:spPr>
+        <p:txBody>
+          <a:bodyPr wrap="square" rtlCol="0">
+            <a:spAutoFit/>
+          </a:bodyPr>
+          <a:lstStyle/>
+          <a:p>
+            <a:pPr>
+              <a:buClr>
+                <a:schemeClr val="tx1">
+                  <a:lumMod val="85000"/>
+                  <a:lumOff val="15000"/>
+                </a:schemeClr>
+              </a:buClr>
+              <a:buSzPct val="105000"/>
+            </a:pPr>
+            <a:r>
+              <a:rPr lang="en-US" altLang="zh-CN" sz="1600" dirty="0" smtClean="0">
+                <a:solidFill>
+                  <a:schemeClr val="bg1"/>
+                </a:solidFill>
+                <a:latin typeface="微软雅黑" pitchFamily="34" charset="-122"/>
+                <a:ea typeface="微软雅黑" pitchFamily="34" charset="-122"/>
+              </a:rPr>
+              <a:t>@</a:t>
+            </a:r>
+            <a:r>
+              <a:rPr lang="en-US" altLang="zh-CN" sz="1600" dirty="0" err="1" smtClean="0">
+                <a:solidFill>
+                  <a:schemeClr val="bg1"/>
+                </a:solidFill>
+                <a:latin typeface="微软雅黑" pitchFamily="34" charset="-122"/>
+                <a:ea typeface="微软雅黑" pitchFamily="34" charset="-122"/>
+              </a:rPr>
+              <a:t>CacheEvict</a:t>
+            </a:r>
+            <a:r>
+              <a:rPr lang="en-US" altLang="zh-CN" sz="1600" dirty="0" smtClean="0">
+                <a:solidFill>
+                  <a:schemeClr val="bg1"/>
+                </a:solidFill>
+                <a:latin typeface="微软雅黑" pitchFamily="34" charset="-122"/>
+                <a:ea typeface="微软雅黑" pitchFamily="34" charset="-122"/>
+              </a:rPr>
+              <a:t>(value=“”,  key =“”,  condition=“”,  </a:t>
+            </a:r>
+            <a:r>
+              <a:rPr lang="en-US" altLang="zh-CN" sz="1600" dirty="0" err="1" smtClean="0">
+                <a:solidFill>
+                  <a:schemeClr val="bg1"/>
+                </a:solidFill>
+                <a:latin typeface="微软雅黑" pitchFamily="34" charset="-122"/>
+                <a:ea typeface="微软雅黑" pitchFamily="34" charset="-122"/>
+              </a:rPr>
+              <a:t>allEntries</a:t>
+            </a:r>
+            <a:r>
+              <a:rPr lang="en-US" altLang="zh-CN" sz="1600" dirty="0" smtClean="0">
+                <a:solidFill>
+                  <a:schemeClr val="bg1"/>
+                </a:solidFill>
+                <a:latin typeface="微软雅黑" pitchFamily="34" charset="-122"/>
+                <a:ea typeface="微软雅黑" pitchFamily="34" charset="-122"/>
+              </a:rPr>
+              <a:t>=true, </a:t>
+            </a:r>
+            <a:r>
+              <a:rPr lang="en-US" altLang="zh-CN" sz="1600" dirty="0" err="1" smtClean="0">
+                <a:solidFill>
+                  <a:schemeClr val="bg1"/>
+                </a:solidFill>
+                <a:latin typeface="微软雅黑" pitchFamily="34" charset="-122"/>
+                <a:ea typeface="微软雅黑" pitchFamily="34" charset="-122"/>
+              </a:rPr>
+              <a:t>beforeInvocation</a:t>
+            </a:r>
+            <a:r>
+              <a:rPr lang="en-US" altLang="zh-CN" sz="1600" dirty="0" smtClean="0">
+                <a:solidFill>
+                  <a:schemeClr val="bg1"/>
+                </a:solidFill>
+                <a:latin typeface="微软雅黑" pitchFamily="34" charset="-122"/>
+                <a:ea typeface="微软雅黑" pitchFamily="34" charset="-122"/>
+              </a:rPr>
+              <a:t> = true)</a:t>
+            </a:r>
+            <a:endParaRPr lang="en-US" altLang="ko-KR" sz="1600" dirty="0">
+              <a:solidFill>
+                <a:schemeClr val="bg1"/>
+              </a:solidFill>
+              <a:latin typeface="微软雅黑" pitchFamily="34" charset="-122"/>
+              <a:ea typeface="微软雅黑" pitchFamily="34" charset="-122"/>
+            </a:endParaRPr>
+          </a:p>
+        </p:txBody>
+      </p:sp>
+      <p:sp>
+        <p:nvSpPr>
+          <p:cNvPr id="7" name="TextBox 66"/>
+          <p:cNvSpPr txBox="1"/>
+          <p:nvPr/>
+        </p:nvSpPr>
+        <p:spPr>
+          <a:xfrm flipH="1">
+            <a:off x="1414994" y="3431791"/>
+            <a:ext cx="7834322" cy="338554"/>
+          </a:xfrm>
+          <a:prstGeom prst="rect">
+            <a:avLst/>
+          </a:prstGeom>
+        </p:spPr>
+        <p:txBody>
+          <a:bodyPr wrap="square" rtlCol="0">
+            <a:spAutoFit/>
+          </a:bodyPr>
+          <a:lstStyle/>
+          <a:p>
+            <a:pPr>
+              <a:buClr>
+                <a:schemeClr val="tx1">
+                  <a:lumMod val="85000"/>
+                  <a:lumOff val="15000"/>
+                </a:schemeClr>
+              </a:buClr>
+              <a:buSzPct val="105000"/>
+            </a:pPr>
+            <a:r>
+              <a:rPr lang="en-US" altLang="zh-CN" sz="1600" dirty="0" smtClean="0">
+                <a:solidFill>
+                  <a:schemeClr val="bg1"/>
+                </a:solidFill>
+                <a:latin typeface="微软雅黑" pitchFamily="34" charset="-122"/>
+                <a:ea typeface="微软雅黑" pitchFamily="34" charset="-122"/>
+              </a:rPr>
+              <a:t>@</a:t>
+            </a:r>
+            <a:r>
+              <a:rPr lang="en-US" altLang="zh-CN" sz="1600" dirty="0" err="1" smtClean="0">
+                <a:solidFill>
+                  <a:schemeClr val="bg1"/>
+                </a:solidFill>
+                <a:latin typeface="微软雅黑" pitchFamily="34" charset="-122"/>
+                <a:ea typeface="微软雅黑" pitchFamily="34" charset="-122"/>
+              </a:rPr>
+              <a:t>CachePut</a:t>
+            </a:r>
+            <a:r>
+              <a:rPr lang="en-US" altLang="zh-CN" sz="1600" dirty="0" smtClean="0">
+                <a:solidFill>
+                  <a:schemeClr val="bg1"/>
+                </a:solidFill>
+                <a:latin typeface="微软雅黑" pitchFamily="34" charset="-122"/>
+                <a:ea typeface="微软雅黑" pitchFamily="34" charset="-122"/>
+              </a:rPr>
+              <a:t>(value=“”,  key =“”,  condition=“</a:t>
+            </a:r>
+            <a:r>
+              <a:rPr lang="en-US" altLang="zh-CN" sz="1600" dirty="0" smtClean="0">
+                <a:solidFill>
+                  <a:schemeClr val="bg1"/>
+                </a:solidFill>
+                <a:latin typeface="微软雅黑" pitchFamily="34" charset="-122"/>
+                <a:ea typeface="微软雅黑" pitchFamily="34" charset="-122"/>
+              </a:rPr>
+              <a:t>”</a:t>
+            </a:r>
+            <a:r>
+              <a:rPr lang="zh-CN" altLang="en-US" sz="1600" dirty="0" smtClean="0">
+                <a:solidFill>
+                  <a:schemeClr val="bg1"/>
+                </a:solidFill>
+                <a:latin typeface="微软雅黑" pitchFamily="34" charset="-122"/>
+                <a:ea typeface="微软雅黑" pitchFamily="34" charset="-122"/>
+              </a:rPr>
+              <a:t>，</a:t>
+            </a:r>
+            <a:r>
+              <a:rPr lang="en-US" altLang="zh-CN" sz="1600" dirty="0" smtClean="0">
+                <a:solidFill>
+                  <a:schemeClr val="bg1"/>
+                </a:solidFill>
+                <a:latin typeface="微软雅黑" pitchFamily="34" charset="-122"/>
+                <a:ea typeface="微软雅黑" pitchFamily="34" charset="-122"/>
+              </a:rPr>
+              <a:t>unless</a:t>
+            </a:r>
+            <a:r>
+              <a:rPr lang="en-US" altLang="zh-CN" sz="1600" dirty="0" smtClean="0">
+                <a:solidFill>
+                  <a:schemeClr val="bg1"/>
+                </a:solidFill>
+                <a:latin typeface="微软雅黑" pitchFamily="34" charset="-122"/>
+                <a:ea typeface="微软雅黑" pitchFamily="34" charset="-122"/>
+              </a:rPr>
+              <a:t>=“”</a:t>
+            </a:r>
+            <a:r>
+              <a:rPr lang="en-US" altLang="zh-CN" sz="1600" dirty="0" smtClean="0">
+                <a:solidFill>
+                  <a:schemeClr val="bg1"/>
+                </a:solidFill>
+                <a:latin typeface="微软雅黑" pitchFamily="34" charset="-122"/>
+                <a:ea typeface="微软雅黑" pitchFamily="34" charset="-122"/>
+              </a:rPr>
+              <a:t>)</a:t>
+            </a:r>
+            <a:endParaRPr lang="en-US" altLang="ko-KR" sz="1600" dirty="0">
+              <a:solidFill>
+                <a:schemeClr val="bg1"/>
+              </a:solidFill>
+              <a:latin typeface="微软雅黑" pitchFamily="34" charset="-122"/>
+              <a:ea typeface="微软雅黑" pitchFamily="34" charset="-122"/>
+            </a:endParaRPr>
+          </a:p>
+        </p:txBody>
+      </p:sp>
+      <p:sp>
+        <p:nvSpPr>
+          <p:cNvPr id="8" name="TextBox 66"/>
+          <p:cNvSpPr txBox="1"/>
+          <p:nvPr/>
+        </p:nvSpPr>
+        <p:spPr>
+          <a:xfrm flipH="1">
+            <a:off x="1414994" y="4205521"/>
+            <a:ext cx="7268256" cy="338554"/>
+          </a:xfrm>
+          <a:prstGeom prst="rect">
+            <a:avLst/>
+          </a:prstGeom>
+        </p:spPr>
+        <p:txBody>
+          <a:bodyPr wrap="square" rtlCol="0">
+            <a:spAutoFit/>
+          </a:bodyPr>
+          <a:lstStyle/>
+          <a:p>
+            <a:pPr>
+              <a:buClr>
+                <a:schemeClr val="tx1">
+                  <a:lumMod val="85000"/>
+                  <a:lumOff val="15000"/>
+                </a:schemeClr>
+              </a:buClr>
+              <a:buSzPct val="105000"/>
+            </a:pPr>
+            <a:r>
+              <a:rPr lang="en-US" altLang="zh-CN" sz="1600" dirty="0" smtClean="0">
+                <a:solidFill>
+                  <a:schemeClr val="bg1"/>
+                </a:solidFill>
+                <a:latin typeface="微软雅黑" pitchFamily="34" charset="-122"/>
+                <a:ea typeface="微软雅黑" pitchFamily="34" charset="-122"/>
+              </a:rPr>
+              <a:t>@Caching(cacheable=@</a:t>
+            </a:r>
+            <a:r>
+              <a:rPr lang="en-US" altLang="zh-CN" sz="1600" dirty="0" err="1" smtClean="0">
+                <a:solidFill>
+                  <a:schemeClr val="bg1"/>
+                </a:solidFill>
+                <a:latin typeface="微软雅黑" pitchFamily="34" charset="-122"/>
+                <a:ea typeface="微软雅黑" pitchFamily="34" charset="-122"/>
+              </a:rPr>
+              <a:t>Cachable</a:t>
+            </a:r>
+            <a:r>
+              <a:rPr lang="en-US" altLang="zh-CN" sz="1600" dirty="0" smtClean="0">
+                <a:solidFill>
+                  <a:schemeClr val="bg1"/>
+                </a:solidFill>
+                <a:latin typeface="微软雅黑" pitchFamily="34" charset="-122"/>
+                <a:ea typeface="微软雅黑" pitchFamily="34" charset="-122"/>
+              </a:rPr>
+              <a:t>(...), </a:t>
+            </a:r>
+            <a:r>
+              <a:rPr lang="en-US" altLang="zh-CN" sz="1600" dirty="0" err="1" smtClean="0">
+                <a:solidFill>
+                  <a:schemeClr val="bg1"/>
+                </a:solidFill>
+                <a:latin typeface="微软雅黑" pitchFamily="34" charset="-122"/>
+                <a:ea typeface="微软雅黑" pitchFamily="34" charset="-122"/>
+              </a:rPr>
+              <a:t>cacheEvict</a:t>
+            </a:r>
+            <a:r>
+              <a:rPr lang="en-US" altLang="zh-CN" sz="1600" dirty="0" smtClean="0">
+                <a:solidFill>
+                  <a:schemeClr val="bg1"/>
+                </a:solidFill>
+                <a:latin typeface="微软雅黑" pitchFamily="34" charset="-122"/>
+                <a:ea typeface="微软雅黑" pitchFamily="34" charset="-122"/>
+              </a:rPr>
+              <a:t>=@</a:t>
+            </a:r>
+            <a:r>
+              <a:rPr lang="en-US" altLang="zh-CN" sz="1600" dirty="0" err="1" smtClean="0">
+                <a:solidFill>
+                  <a:schemeClr val="bg1"/>
+                </a:solidFill>
+                <a:latin typeface="微软雅黑" pitchFamily="34" charset="-122"/>
+                <a:ea typeface="微软雅黑" pitchFamily="34" charset="-122"/>
+              </a:rPr>
+              <a:t>CacheEvict</a:t>
+            </a:r>
+            <a:r>
+              <a:rPr lang="en-US" altLang="zh-CN" sz="1600" dirty="0" smtClean="0">
+                <a:solidFill>
+                  <a:schemeClr val="bg1"/>
+                </a:solidFill>
+                <a:latin typeface="微软雅黑" pitchFamily="34" charset="-122"/>
+                <a:ea typeface="微软雅黑" pitchFamily="34" charset="-122"/>
+              </a:rPr>
+              <a:t>(...))</a:t>
+            </a:r>
+            <a:endParaRPr lang="en-US" altLang="ko-KR" sz="1600" dirty="0">
+              <a:solidFill>
+                <a:schemeClr val="bg1"/>
+              </a:solidFill>
+              <a:latin typeface="微软雅黑" pitchFamily="34" charset="-122"/>
+              <a:ea typeface="微软雅黑" pitchFamily="34" charset="-122"/>
             </a:endParaRPr>
           </a:p>
         </p:txBody>
@@ -18526,13 +18857,13 @@
   <p:clrMapOvr>
     <a:masterClrMapping/>
   </p:clrMapOvr>
-  <mc:AlternateContent xmlns:mc="http://schemas.openxmlformats.org/markup-compatibility/2006">
-    <mc:Choice xmlns:p14="http://schemas.microsoft.com/office/powerpoint/2010/main" Requires="p14">
+  <mc:AlternateContent xmlns:mc="http://schemas.openxmlformats.org/markup-compatibility/2006" xmlns:p14="http://schemas.microsoft.com/office/powerpoint/2010/main">
+    <mc:Choice Requires="p14">
       <p:transition spd="slow" p14:dur="1200">
         <p14:prism/>
       </p:transition>
     </mc:Choice>
-    <mc:Fallback>
+    <mc:Fallback xmlns="">
       <p:transition spd="slow">
         <p:fade/>
       </p:transition>
@@ -18550,9 +18881,6 @@
                     <p:cTn id="3" fill="hold">
                       <p:stCondLst>
                         <p:cond delay="indefinite"/>
-                        <p:cond evt="onBegin" delay="0">
-                          <p:tn val="2"/>
-                        </p:cond>
                       </p:stCondLst>
                       <p:childTnLst>
                         <p:par>
@@ -18562,7 +18890,7 @@
                             </p:stCondLst>
                             <p:childTnLst>
                               <p:par>
-                                <p:cTn id="5" presetID="42" presetClass="entr" presetSubtype="0" fill="hold" grpId="0" nodeType="afterEffect">
+                                <p:cTn id="5" presetID="42" presetClass="entr" presetSubtype="0" fill="hold" grpId="0" nodeType="clickEffect">
                                   <p:stCondLst>
                                     <p:cond delay="0"/>
                                   </p:stCondLst>
@@ -18575,7 +18903,7 @@
                                           </p:stCondLst>
                                         </p:cTn>
                                         <p:tgtEl>
-                                          <p:spTgt spid="4"/>
+                                          <p:spTgt spid="5"/>
                                         </p:tgtEl>
                                         <p:attrNameLst>
                                           <p:attrName>style.visibility</p:attrName>
@@ -18589,7 +18917,7 @@
                                       <p:cBhvr>
                                         <p:cTn id="7" dur="1000"/>
                                         <p:tgtEl>
-                                          <p:spTgt spid="4"/>
+                                          <p:spTgt spid="5"/>
                                         </p:tgtEl>
                                       </p:cBhvr>
                                     </p:animEffect>
@@ -18597,7 +18925,7 @@
                                       <p:cBhvr>
                                         <p:cTn id="8" dur="1000" fill="hold"/>
                                         <p:tgtEl>
-                                          <p:spTgt spid="4"/>
+                                          <p:spTgt spid="5"/>
                                         </p:tgtEl>
                                         <p:attrNameLst>
                                           <p:attrName>ppt_x</p:attrName>
@@ -18620,7 +18948,304 @@
                                       <p:cBhvr>
                                         <p:cTn id="9" dur="1000" fill="hold"/>
                                         <p:tgtEl>
-                                          <p:spTgt spid="4"/>
+                                          <p:spTgt spid="5"/>
+                                        </p:tgtEl>
+                                        <p:attrNameLst>
+                                          <p:attrName>ppt_y</p:attrName>
+                                        </p:attrNameLst>
+                                      </p:cBhvr>
+                                      <p:tavLst>
+                                        <p:tav tm="0">
+                                          <p:val>
+                                            <p:strVal val="#ppt_y+.1"/>
+                                          </p:val>
+                                        </p:tav>
+                                        <p:tav tm="100000">
+                                          <p:val>
+                                            <p:strVal val="#ppt_y"/>
+                                          </p:val>
+                                        </p:tav>
+                                      </p:tavLst>
+                                    </p:anim>
+                                  </p:childTnLst>
+                                </p:cTn>
+                              </p:par>
+                            </p:childTnLst>
+                          </p:cTn>
+                        </p:par>
+                      </p:childTnLst>
+                    </p:cTn>
+                  </p:par>
+                  <p:par>
+                    <p:cTn id="10" fill="hold">
+                      <p:stCondLst>
+                        <p:cond delay="indefinite"/>
+                      </p:stCondLst>
+                      <p:childTnLst>
+                        <p:par>
+                          <p:cTn id="11" fill="hold">
+                            <p:stCondLst>
+                              <p:cond delay="0"/>
+                            </p:stCondLst>
+                            <p:childTnLst>
+                              <p:par>
+                                <p:cTn id="12" presetID="42" presetClass="entr" presetSubtype="0" fill="hold" grpId="0" nodeType="clickEffect">
+                                  <p:stCondLst>
+                                    <p:cond delay="0"/>
+                                  </p:stCondLst>
+                                  <p:childTnLst>
+                                    <p:set>
+                                      <p:cBhvr>
+                                        <p:cTn id="13" dur="1" fill="hold">
+                                          <p:stCondLst>
+                                            <p:cond delay="0"/>
+                                          </p:stCondLst>
+                                        </p:cTn>
+                                        <p:tgtEl>
+                                          <p:spTgt spid="6"/>
+                                        </p:tgtEl>
+                                        <p:attrNameLst>
+                                          <p:attrName>style.visibility</p:attrName>
+                                        </p:attrNameLst>
+                                      </p:cBhvr>
+                                      <p:to>
+                                        <p:strVal val="visible"/>
+                                      </p:to>
+                                    </p:set>
+                                    <p:animEffect transition="in" filter="fade">
+                                      <p:cBhvr>
+                                        <p:cTn id="14" dur="1000"/>
+                                        <p:tgtEl>
+                                          <p:spTgt spid="6"/>
+                                        </p:tgtEl>
+                                      </p:cBhvr>
+                                    </p:animEffect>
+                                    <p:anim calcmode="lin" valueType="num">
+                                      <p:cBhvr>
+                                        <p:cTn id="15" dur="1000" fill="hold"/>
+                                        <p:tgtEl>
+                                          <p:spTgt spid="6"/>
+                                        </p:tgtEl>
+                                        <p:attrNameLst>
+                                          <p:attrName>ppt_x</p:attrName>
+                                        </p:attrNameLst>
+                                      </p:cBhvr>
+                                      <p:tavLst>
+                                        <p:tav tm="0">
+                                          <p:val>
+                                            <p:strVal val="#ppt_x"/>
+                                          </p:val>
+                                        </p:tav>
+                                        <p:tav tm="100000">
+                                          <p:val>
+                                            <p:strVal val="#ppt_x"/>
+                                          </p:val>
+                                        </p:tav>
+                                      </p:tavLst>
+                                    </p:anim>
+                                    <p:anim calcmode="lin" valueType="num">
+                                      <p:cBhvr>
+                                        <p:cTn id="16" dur="1000" fill="hold"/>
+                                        <p:tgtEl>
+                                          <p:spTgt spid="6"/>
+                                        </p:tgtEl>
+                                        <p:attrNameLst>
+                                          <p:attrName>ppt_y</p:attrName>
+                                        </p:attrNameLst>
+                                      </p:cBhvr>
+                                      <p:tavLst>
+                                        <p:tav tm="0">
+                                          <p:val>
+                                            <p:strVal val="#ppt_y+.1"/>
+                                          </p:val>
+                                        </p:tav>
+                                        <p:tav tm="100000">
+                                          <p:val>
+                                            <p:strVal val="#ppt_y"/>
+                                          </p:val>
+                                        </p:tav>
+                                      </p:tavLst>
+                                    </p:anim>
+                                  </p:childTnLst>
+                                </p:cTn>
+                              </p:par>
+                            </p:childTnLst>
+                          </p:cTn>
+                        </p:par>
+                      </p:childTnLst>
+                    </p:cTn>
+                  </p:par>
+                  <p:par>
+                    <p:cTn id="17" fill="hold">
+                      <p:stCondLst>
+                        <p:cond delay="indefinite"/>
+                      </p:stCondLst>
+                      <p:childTnLst>
+                        <p:par>
+                          <p:cTn id="18" fill="hold">
+                            <p:stCondLst>
+                              <p:cond delay="0"/>
+                            </p:stCondLst>
+                            <p:childTnLst>
+                              <p:par>
+                                <p:cTn id="19" presetID="42" presetClass="entr" presetSubtype="0" fill="hold" grpId="0" nodeType="clickEffect">
+                                  <p:stCondLst>
+                                    <p:cond delay="0"/>
+                                  </p:stCondLst>
+                                  <p:childTnLst>
+                                    <p:set>
+                                      <p:cBhvr>
+                                        <p:cTn id="20" dur="1" fill="hold">
+                                          <p:stCondLst>
+                                            <p:cond delay="0"/>
+                                          </p:stCondLst>
+                                        </p:cTn>
+                                        <p:tgtEl>
+                                          <p:spTgt spid="7"/>
+                                        </p:tgtEl>
+                                        <p:attrNameLst>
+                                          <p:attrName>style.visibility</p:attrName>
+                                        </p:attrNameLst>
+                                      </p:cBhvr>
+                                      <p:to>
+                                        <p:strVal val="visible"/>
+                                      </p:to>
+                                    </p:set>
+                                    <p:animEffect transition="in" filter="fade">
+                                      <p:cBhvr>
+                                        <p:cTn id="21" dur="1000"/>
+                                        <p:tgtEl>
+                                          <p:spTgt spid="7"/>
+                                        </p:tgtEl>
+                                      </p:cBhvr>
+                                    </p:animEffect>
+                                    <p:anim calcmode="lin" valueType="num">
+                                      <p:cBhvr>
+                                        <p:cTn id="22" dur="1000" fill="hold"/>
+                                        <p:tgtEl>
+                                          <p:spTgt spid="7"/>
+                                        </p:tgtEl>
+                                        <p:attrNameLst>
+                                          <p:attrName>ppt_x</p:attrName>
+                                        </p:attrNameLst>
+                                      </p:cBhvr>
+                                      <p:tavLst>
+                                        <p:tav tm="0">
+                                          <p:val>
+                                            <p:strVal val="#ppt_x"/>
+                                          </p:val>
+                                        </p:tav>
+                                        <p:tav tm="100000">
+                                          <p:val>
+                                            <p:strVal val="#ppt_x"/>
+                                          </p:val>
+                                        </p:tav>
+                                      </p:tavLst>
+                                    </p:anim>
+                                    <p:anim calcmode="lin" valueType="num">
+                                      <p:cBhvr>
+                                        <p:cTn id="23" dur="1000" fill="hold"/>
+                                        <p:tgtEl>
+                                          <p:spTgt spid="7"/>
+                                        </p:tgtEl>
+                                        <p:attrNameLst>
+                                          <p:attrName>ppt_y</p:attrName>
+                                        </p:attrNameLst>
+                                      </p:cBhvr>
+                                      <p:tavLst>
+                                        <p:tav tm="0">
+                                          <p:val>
+                                            <p:strVal val="#ppt_y+.1"/>
+                                          </p:val>
+                                        </p:tav>
+                                        <p:tav tm="100000">
+                                          <p:val>
+                                            <p:strVal val="#ppt_y"/>
+                                          </p:val>
+                                        </p:tav>
+                                      </p:tavLst>
+                                    </p:anim>
+                                  </p:childTnLst>
+                                </p:cTn>
+                              </p:par>
+                            </p:childTnLst>
+                          </p:cTn>
+                        </p:par>
+                      </p:childTnLst>
+                    </p:cTn>
+                  </p:par>
+                  <p:par>
+                    <p:cTn id="24" fill="hold">
+                      <p:stCondLst>
+                        <p:cond delay="indefinite"/>
+                      </p:stCondLst>
+                      <p:childTnLst>
+                        <p:par>
+                          <p:cTn id="25" fill="hold">
+                            <p:stCondLst>
+                              <p:cond delay="0"/>
+                            </p:stCondLst>
+                            <p:childTnLst>
+                              <p:par>
+                                <p:cTn id="26" presetID="42" presetClass="entr" presetSubtype="0" fill="hold" grpId="0" nodeType="clickEffect">
+                                  <p:stCondLst>
+                                    <p:cond delay="0"/>
+                                  </p:stCondLst>
+                                  <p:childTnLst>
+                                    <p:set>
+                                      <p:cBhvr>
+                                        <p:cTn id="27" dur="1" fill="hold">
+                                          <p:stCondLst>
+                                            <p:cond delay="0"/>
+                                          </p:stCondLst>
+                                        </p:cTn>
+                                        <p:tgtEl>
+                                          <p:spTgt spid="8"/>
+                                        </p:tgtEl>
+                                        <p:attrNameLst>
+                                          <p:attrName>style.visibility</p:attrName>
+                                        </p:attrNameLst>
+                                      </p:cBhvr>
+                                      <p:to>
+                                        <p:strVal val="visible"/>
+                                      </p:to>
+                                    </p:set>
+                                    <p:animEffect transition="in" filter="fade">
+                                      <p:cBhvr>
+                                        <p:cTn id="28" dur="1000"/>
+                                        <p:tgtEl>
+                                          <p:spTgt spid="8"/>
+                                        </p:tgtEl>
+                                      </p:cBhvr>
+                                    </p:animEffect>
+                                    <p:anim calcmode="lin" valueType="num">
+                                      <p:cBhvr>
+                                        <p:cTn id="29" dur="1000" fill="hold"/>
+                                        <p:tgtEl>
+                                          <p:spTgt spid="8"/>
+                                        </p:tgtEl>
+                                        <p:attrNameLst>
+                                          <p:attrName>ppt_x</p:attrName>
+                                        </p:attrNameLst>
+                                      </p:cBhvr>
+                                      <p:tavLst>
+                                        <p:tav tm="0">
+                                          <p:val>
+                                            <p:strVal val="#ppt_x"/>
+                                          </p:val>
+                                        </p:tav>
+                                        <p:tav tm="100000">
+                                          <p:val>
+                                            <p:strVal val="#ppt_x"/>
+                                          </p:val>
+                                        </p:tav>
+                                      </p:tavLst>
+                                    </p:anim>
+                                    <p:anim calcmode="lin" valueType="num">
+                                      <p:cBhvr>
+                                        <p:cTn id="30" dur="1000" fill="hold"/>
+                                        <p:tgtEl>
+                                          <p:spTgt spid="8"/>
                                         </p:tgtEl>
                                         <p:attrNameLst>
                                           <p:attrName>ppt_y</p:attrName>
@@ -18670,7 +19295,10 @@
       </p:par>
     </p:tnLst>
     <p:bldLst>
-      <p:bldP spid="4" grpId="0"/>
+      <p:bldP spid="5" grpId="0"/>
+      <p:bldP spid="6" grpId="0"/>
+      <p:bldP spid="7" grpId="0"/>
+      <p:bldP spid="8" grpId="0"/>
     </p:bldLst>
   </p:timing>
 </p:sld>
@@ -18782,26 +19410,6 @@
                 </a:rPr>
                 <a:t>谢谢</a:t>
               </a:r>
-              <a:endParaRPr lang="zh-CN" altLang="en-US" sz="6600" spc="300" dirty="0">
-                <a:gradFill flip="none" rotWithShape="1">
-                  <a:gsLst>
-                    <a:gs pos="60000">
-                      <a:srgbClr val="B6C6DD"/>
-                    </a:gs>
-                    <a:gs pos="23000">
-                      <a:schemeClr val="bg1"/>
-                    </a:gs>
-                    <a:gs pos="100000">
-                      <a:srgbClr val="425C8F"/>
-                    </a:gs>
-                  </a:gsLst>
-                  <a:lin ang="2700000" scaled="1"/>
-                  <a:tileRect/>
-                </a:gradFill>
-                <a:latin typeface="+mj-ea"/>
-                <a:ea typeface="+mj-ea"/>
-                <a:cs typeface="方正兰亭细黑_GBK_M" panose="02010600010101010101" pitchFamily="2" charset="2"/>
-              </a:endParaRPr>
             </a:p>
           </p:txBody>
         </p:sp>

--- a/doc/Cache.pptx
+++ b/doc/Cache.pptx
@@ -1,27 +1,24 @@
 
 <file path=ppt/presentation.xml><?xml version="1.0" encoding="utf-8"?>
-<p:presentation xmlns:a="http://schemas.openxmlformats.org/drawingml/2006/main" xmlns:r="http://schemas.openxmlformats.org/officeDocument/2006/relationships" xmlns:p="http://schemas.openxmlformats.org/presentationml/2006/main" saveSubsetFonts="1">
+<p:presentation xmlns:a="http://schemas.openxmlformats.org/drawingml/2006/main" xmlns:r="http://schemas.openxmlformats.org/officeDocument/2006/relationships" xmlns:p="http://schemas.openxmlformats.org/presentationml/2006/main">
   <p:sldMasterIdLst>
     <p:sldMasterId id="2147483648" r:id="rId1"/>
   </p:sldMasterIdLst>
   <p:notesMasterIdLst>
-    <p:notesMasterId r:id="rId10"/>
+    <p:notesMasterId r:id="rId4"/>
   </p:notesMasterIdLst>
   <p:sldIdLst>
-    <p:sldId id="256" r:id="rId2"/>
-    <p:sldId id="283" r:id="rId3"/>
-    <p:sldId id="263" r:id="rId4"/>
-    <p:sldId id="284" r:id="rId5"/>
-    <p:sldId id="285" r:id="rId6"/>
-    <p:sldId id="286" r:id="rId7"/>
-    <p:sldId id="287" r:id="rId8"/>
-    <p:sldId id="281" r:id="rId9"/>
+    <p:sldId id="256" r:id="rId3"/>
+    <p:sldId id="283" r:id="rId5"/>
+    <p:sldId id="263" r:id="rId6"/>
+    <p:sldId id="284" r:id="rId7"/>
+    <p:sldId id="285" r:id="rId8"/>
+    <p:sldId id="286" r:id="rId9"/>
+    <p:sldId id="287" r:id="rId10"/>
+    <p:sldId id="281" r:id="rId11"/>
   </p:sldIdLst>
   <p:sldSz cx="12192000" cy="6858000"/>
   <p:notesSz cx="6858000" cy="9144000"/>
-  <p:custDataLst>
-    <p:tags r:id="rId11"/>
-  </p:custDataLst>
   <p:defaultTextStyle>
     <a:defPPr>
       <a:defRPr lang="zh-CN"/>
@@ -117,22 +114,6 @@
       </a:defRPr>
     </a:lvl9pPr>
   </p:defaultTextStyle>
-  <p:extLst>
-    <p:ext uri="{EFAFB233-063F-42B5-8137-9DF3F51BA10A}">
-      <p15:sldGuideLst xmlns:p15="http://schemas.microsoft.com/office/powerpoint/2012/main">
-        <p15:guide id="1" orient="horz" pos="2137" userDrawn="1">
-          <p15:clr>
-            <a:srgbClr val="A4A3A4"/>
-          </p15:clr>
-        </p15:guide>
-        <p15:guide id="2" pos="3840" userDrawn="1">
-          <p15:clr>
-            <a:srgbClr val="A4A3A4"/>
-          </p15:clr>
-        </p15:guide>
-      </p15:sldGuideLst>
-    </p:ext>
-  </p:extLst>
 </p:presentation>
 </file>
 
@@ -218,7 +199,6 @@
           <a:p>
             <a:fld id="{AECE1B26-6A74-492D-B04F-94149A6AB4F8}" type="datetimeFigureOut">
               <a:rPr lang="zh-CN" altLang="en-US" smtClean="0"/>
-              <a:t>2018/7/26</a:t>
             </a:fld>
             <a:endParaRPr lang="zh-CN" altLang="en-US"/>
           </a:p>
@@ -285,6 +265,7 @@
               <a:rPr lang="zh-CN" altLang="en-US" smtClean="0"/>
               <a:t>编辑母版文本样式</a:t>
             </a:r>
+            <a:endParaRPr lang="zh-CN" altLang="en-US" smtClean="0"/>
           </a:p>
           <a:p>
             <a:pPr lvl="1"/>
@@ -292,6 +273,7 @@
               <a:rPr lang="zh-CN" altLang="en-US" smtClean="0"/>
               <a:t>第二级</a:t>
             </a:r>
+            <a:endParaRPr lang="zh-CN" altLang="en-US" smtClean="0"/>
           </a:p>
           <a:p>
             <a:pPr lvl="2"/>
@@ -299,6 +281,7 @@
               <a:rPr lang="zh-CN" altLang="en-US" smtClean="0"/>
               <a:t>第三级</a:t>
             </a:r>
+            <a:endParaRPr lang="zh-CN" altLang="en-US" smtClean="0"/>
           </a:p>
           <a:p>
             <a:pPr lvl="3"/>
@@ -306,6 +289,7 @@
               <a:rPr lang="zh-CN" altLang="en-US" smtClean="0"/>
               <a:t>第四级</a:t>
             </a:r>
+            <a:endParaRPr lang="zh-CN" altLang="en-US" smtClean="0"/>
           </a:p>
           <a:p>
             <a:pPr lvl="4"/>
@@ -377,18 +361,12 @@
           <a:p>
             <a:fld id="{793E11CD-7E61-4104-986A-C7D1C4657FF3}" type="slidenum">
               <a:rPr lang="zh-CN" altLang="en-US" smtClean="0"/>
-              <a:t>‹#›</a:t>
             </a:fld>
             <a:endParaRPr lang="zh-CN" altLang="en-US"/>
           </a:p>
         </p:txBody>
       </p:sp>
     </p:spTree>
-    <p:extLst>
-      <p:ext uri="{BB962C8B-B14F-4D97-AF65-F5344CB8AC3E}">
-        <p14:creationId xmlns:p14="http://schemas.microsoft.com/office/powerpoint/2010/main" val="4198464303"/>
-      </p:ext>
-    </p:extLst>
   </p:cSld>
   <p:clrMap bg1="lt1" tx1="dk1" bg2="lt2" tx2="dk2" accent1="accent1" accent2="accent2" accent3="accent3" accent4="accent4" accent5="accent5" accent6="accent6" hlink="hlink" folHlink="folHlink"/>
   <p:notesStyle>
@@ -551,18 +529,12 @@
           <a:p>
             <a:fld id="{793E11CD-7E61-4104-986A-C7D1C4657FF3}" type="slidenum">
               <a:rPr lang="zh-CN" altLang="en-US" smtClean="0"/>
-              <a:t>1</a:t>
             </a:fld>
             <a:endParaRPr lang="zh-CN" altLang="en-US"/>
           </a:p>
         </p:txBody>
       </p:sp>
     </p:spTree>
-    <p:extLst>
-      <p:ext uri="{BB962C8B-B14F-4D97-AF65-F5344CB8AC3E}">
-        <p14:creationId xmlns:p14="http://schemas.microsoft.com/office/powerpoint/2010/main" val="972996781"/>
-      </p:ext>
-    </p:extLst>
   </p:cSld>
   <p:clrMapOvr>
     <a:masterClrMapping/>
@@ -635,18 +607,12 @@
           <a:p>
             <a:fld id="{793E11CD-7E61-4104-986A-C7D1C4657FF3}" type="slidenum">
               <a:rPr lang="zh-CN" altLang="en-US" smtClean="0"/>
-              <a:t>2</a:t>
             </a:fld>
             <a:endParaRPr lang="zh-CN" altLang="en-US"/>
           </a:p>
         </p:txBody>
       </p:sp>
     </p:spTree>
-    <p:extLst>
-      <p:ext uri="{BB962C8B-B14F-4D97-AF65-F5344CB8AC3E}">
-        <p14:creationId xmlns:p14="http://schemas.microsoft.com/office/powerpoint/2010/main" val="1032517882"/>
-      </p:ext>
-    </p:extLst>
   </p:cSld>
   <p:clrMapOvr>
     <a:masterClrMapping/>
@@ -719,18 +685,12 @@
           <a:p>
             <a:fld id="{793E11CD-7E61-4104-986A-C7D1C4657FF3}" type="slidenum">
               <a:rPr lang="zh-CN" altLang="en-US" smtClean="0"/>
-              <a:t>3</a:t>
             </a:fld>
             <a:endParaRPr lang="zh-CN" altLang="en-US"/>
           </a:p>
         </p:txBody>
       </p:sp>
     </p:spTree>
-    <p:extLst>
-      <p:ext uri="{BB962C8B-B14F-4D97-AF65-F5344CB8AC3E}">
-        <p14:creationId xmlns:p14="http://schemas.microsoft.com/office/powerpoint/2010/main" val="2587161800"/>
-      </p:ext>
-    </p:extLst>
   </p:cSld>
   <p:clrMapOvr>
     <a:masterClrMapping/>
@@ -803,18 +763,12 @@
           <a:p>
             <a:fld id="{793E11CD-7E61-4104-986A-C7D1C4657FF3}" type="slidenum">
               <a:rPr lang="zh-CN" altLang="en-US" smtClean="0"/>
-              <a:t>4</a:t>
             </a:fld>
             <a:endParaRPr lang="zh-CN" altLang="en-US"/>
           </a:p>
         </p:txBody>
       </p:sp>
     </p:spTree>
-    <p:extLst>
-      <p:ext uri="{BB962C8B-B14F-4D97-AF65-F5344CB8AC3E}">
-        <p14:creationId xmlns:p14="http://schemas.microsoft.com/office/powerpoint/2010/main" val="350862697"/>
-      </p:ext>
-    </p:extLst>
   </p:cSld>
   <p:clrMapOvr>
     <a:masterClrMapping/>
@@ -887,18 +841,12 @@
           <a:p>
             <a:fld id="{793E11CD-7E61-4104-986A-C7D1C4657FF3}" type="slidenum">
               <a:rPr lang="zh-CN" altLang="en-US" smtClean="0"/>
-              <a:t>5</a:t>
             </a:fld>
             <a:endParaRPr lang="zh-CN" altLang="en-US"/>
           </a:p>
         </p:txBody>
       </p:sp>
     </p:spTree>
-    <p:extLst>
-      <p:ext uri="{BB962C8B-B14F-4D97-AF65-F5344CB8AC3E}">
-        <p14:creationId xmlns:p14="http://schemas.microsoft.com/office/powerpoint/2010/main" val="685615334"/>
-      </p:ext>
-    </p:extLst>
   </p:cSld>
   <p:clrMapOvr>
     <a:masterClrMapping/>
@@ -971,18 +919,12 @@
           <a:p>
             <a:fld id="{793E11CD-7E61-4104-986A-C7D1C4657FF3}" type="slidenum">
               <a:rPr lang="zh-CN" altLang="en-US" smtClean="0"/>
-              <a:t>6</a:t>
             </a:fld>
             <a:endParaRPr lang="zh-CN" altLang="en-US"/>
           </a:p>
         </p:txBody>
       </p:sp>
     </p:spTree>
-    <p:extLst>
-      <p:ext uri="{BB962C8B-B14F-4D97-AF65-F5344CB8AC3E}">
-        <p14:creationId xmlns:p14="http://schemas.microsoft.com/office/powerpoint/2010/main" val="1159231939"/>
-      </p:ext>
-    </p:extLst>
   </p:cSld>
   <p:clrMapOvr>
     <a:masterClrMapping/>
@@ -1055,18 +997,12 @@
           <a:p>
             <a:fld id="{793E11CD-7E61-4104-986A-C7D1C4657FF3}" type="slidenum">
               <a:rPr lang="zh-CN" altLang="en-US" smtClean="0"/>
-              <a:t>7</a:t>
             </a:fld>
             <a:endParaRPr lang="zh-CN" altLang="en-US"/>
           </a:p>
         </p:txBody>
       </p:sp>
     </p:spTree>
-    <p:extLst>
-      <p:ext uri="{BB962C8B-B14F-4D97-AF65-F5344CB8AC3E}">
-        <p14:creationId xmlns:p14="http://schemas.microsoft.com/office/powerpoint/2010/main" val="2962626992"/>
-      </p:ext>
-    </p:extLst>
   </p:cSld>
   <p:clrMapOvr>
     <a:masterClrMapping/>
@@ -1139,18 +1075,12 @@
           <a:p>
             <a:fld id="{793E11CD-7E61-4104-986A-C7D1C4657FF3}" type="slidenum">
               <a:rPr lang="zh-CN" altLang="en-US" smtClean="0"/>
-              <a:t>8</a:t>
             </a:fld>
             <a:endParaRPr lang="zh-CN" altLang="en-US"/>
           </a:p>
         </p:txBody>
       </p:sp>
     </p:spTree>
-    <p:extLst>
-      <p:ext uri="{BB962C8B-B14F-4D97-AF65-F5344CB8AC3E}">
-        <p14:creationId xmlns:p14="http://schemas.microsoft.com/office/powerpoint/2010/main" val="966495155"/>
-      </p:ext>
-    </p:extLst>
   </p:cSld>
   <p:clrMapOvr>
     <a:masterClrMapping/>
@@ -1214,7 +1144,7 @@
             <a:spLocks noGrp="1"/>
           </p:cNvSpPr>
           <p:nvPr>
-            <p:ph type="subTitle" idx="1"/>
+            <p:ph type="subTitle" idx="1" hasCustomPrompt="1"/>
           </p:nvPr>
         </p:nvSpPr>
         <p:spPr>
@@ -1289,7 +1219,6 @@
           <a:p>
             <a:fld id="{3D0A598E-1133-4548-9FE0-915161A3608D}" type="datetimeFigureOut">
               <a:rPr lang="zh-CN" altLang="en-US" smtClean="0"/>
-              <a:t>2018/7/26</a:t>
             </a:fld>
             <a:endParaRPr lang="zh-CN" altLang="en-US"/>
           </a:p>
@@ -1331,18 +1260,12 @@
           <a:p>
             <a:fld id="{D19BEFEC-ADBD-4CB6-92E8-EF20253A434B}" type="slidenum">
               <a:rPr lang="zh-CN" altLang="en-US" smtClean="0"/>
-              <a:t>‹#›</a:t>
             </a:fld>
             <a:endParaRPr lang="zh-CN" altLang="en-US"/>
           </a:p>
         </p:txBody>
       </p:sp>
     </p:spTree>
-    <p:extLst>
-      <p:ext uri="{BB962C8B-B14F-4D97-AF65-F5344CB8AC3E}">
-        <p14:creationId xmlns:p14="http://schemas.microsoft.com/office/powerpoint/2010/main" val="771393864"/>
-      </p:ext>
-    </p:extLst>
   </p:cSld>
   <p:clrMapOvr>
     <a:masterClrMapping/>
@@ -1397,7 +1320,7 @@
             <a:spLocks noGrp="1"/>
           </p:cNvSpPr>
           <p:nvPr>
-            <p:ph type="body" orient="vert" idx="1"/>
+            <p:ph type="body" orient="vert" idx="1" hasCustomPrompt="1"/>
           </p:nvPr>
         </p:nvSpPr>
         <p:spPr/>
@@ -1410,6 +1333,7 @@
               <a:rPr lang="zh-CN" altLang="en-US" smtClean="0"/>
               <a:t>编辑母版文本样式</a:t>
             </a:r>
+            <a:endParaRPr lang="zh-CN" altLang="en-US" smtClean="0"/>
           </a:p>
           <a:p>
             <a:pPr lvl="1"/>
@@ -1417,6 +1341,7 @@
               <a:rPr lang="zh-CN" altLang="en-US" smtClean="0"/>
               <a:t>第二级</a:t>
             </a:r>
+            <a:endParaRPr lang="zh-CN" altLang="en-US" smtClean="0"/>
           </a:p>
           <a:p>
             <a:pPr lvl="2"/>
@@ -1424,6 +1349,7 @@
               <a:rPr lang="zh-CN" altLang="en-US" smtClean="0"/>
               <a:t>第三级</a:t>
             </a:r>
+            <a:endParaRPr lang="zh-CN" altLang="en-US" smtClean="0"/>
           </a:p>
           <a:p>
             <a:pPr lvl="3"/>
@@ -1431,6 +1357,7 @@
               <a:rPr lang="zh-CN" altLang="en-US" smtClean="0"/>
               <a:t>第四级</a:t>
             </a:r>
+            <a:endParaRPr lang="zh-CN" altLang="en-US" smtClean="0"/>
           </a:p>
           <a:p>
             <a:pPr lvl="4"/>
@@ -1459,7 +1386,6 @@
           <a:p>
             <a:fld id="{3D0A598E-1133-4548-9FE0-915161A3608D}" type="datetimeFigureOut">
               <a:rPr lang="zh-CN" altLang="en-US" smtClean="0"/>
-              <a:t>2018/7/26</a:t>
             </a:fld>
             <a:endParaRPr lang="zh-CN" altLang="en-US"/>
           </a:p>
@@ -1501,18 +1427,12 @@
           <a:p>
             <a:fld id="{D19BEFEC-ADBD-4CB6-92E8-EF20253A434B}" type="slidenum">
               <a:rPr lang="zh-CN" altLang="en-US" smtClean="0"/>
-              <a:t>‹#›</a:t>
             </a:fld>
             <a:endParaRPr lang="zh-CN" altLang="en-US"/>
           </a:p>
         </p:txBody>
       </p:sp>
     </p:spTree>
-    <p:extLst>
-      <p:ext uri="{BB962C8B-B14F-4D97-AF65-F5344CB8AC3E}">
-        <p14:creationId xmlns:p14="http://schemas.microsoft.com/office/powerpoint/2010/main" val="1805781255"/>
-      </p:ext>
-    </p:extLst>
   </p:cSld>
   <p:clrMapOvr>
     <a:masterClrMapping/>
@@ -1572,7 +1492,7 @@
             <a:spLocks noGrp="1"/>
           </p:cNvSpPr>
           <p:nvPr>
-            <p:ph type="body" orient="vert" idx="1"/>
+            <p:ph type="body" orient="vert" idx="1" hasCustomPrompt="1"/>
           </p:nvPr>
         </p:nvSpPr>
         <p:spPr>
@@ -1590,6 +1510,7 @@
               <a:rPr lang="zh-CN" altLang="en-US" smtClean="0"/>
               <a:t>编辑母版文本样式</a:t>
             </a:r>
+            <a:endParaRPr lang="zh-CN" altLang="en-US" smtClean="0"/>
           </a:p>
           <a:p>
             <a:pPr lvl="1"/>
@@ -1597,6 +1518,7 @@
               <a:rPr lang="zh-CN" altLang="en-US" smtClean="0"/>
               <a:t>第二级</a:t>
             </a:r>
+            <a:endParaRPr lang="zh-CN" altLang="en-US" smtClean="0"/>
           </a:p>
           <a:p>
             <a:pPr lvl="2"/>
@@ -1604,6 +1526,7 @@
               <a:rPr lang="zh-CN" altLang="en-US" smtClean="0"/>
               <a:t>第三级</a:t>
             </a:r>
+            <a:endParaRPr lang="zh-CN" altLang="en-US" smtClean="0"/>
           </a:p>
           <a:p>
             <a:pPr lvl="3"/>
@@ -1611,6 +1534,7 @@
               <a:rPr lang="zh-CN" altLang="en-US" smtClean="0"/>
               <a:t>第四级</a:t>
             </a:r>
+            <a:endParaRPr lang="zh-CN" altLang="en-US" smtClean="0"/>
           </a:p>
           <a:p>
             <a:pPr lvl="4"/>
@@ -1639,7 +1563,6 @@
           <a:p>
             <a:fld id="{3D0A598E-1133-4548-9FE0-915161A3608D}" type="datetimeFigureOut">
               <a:rPr lang="zh-CN" altLang="en-US" smtClean="0"/>
-              <a:t>2018/7/26</a:t>
             </a:fld>
             <a:endParaRPr lang="zh-CN" altLang="en-US"/>
           </a:p>
@@ -1681,18 +1604,12 @@
           <a:p>
             <a:fld id="{D19BEFEC-ADBD-4CB6-92E8-EF20253A434B}" type="slidenum">
               <a:rPr lang="zh-CN" altLang="en-US" smtClean="0"/>
-              <a:t>‹#›</a:t>
             </a:fld>
             <a:endParaRPr lang="zh-CN" altLang="en-US"/>
           </a:p>
         </p:txBody>
       </p:sp>
     </p:spTree>
-    <p:extLst>
-      <p:ext uri="{BB962C8B-B14F-4D97-AF65-F5344CB8AC3E}">
-        <p14:creationId xmlns:p14="http://schemas.microsoft.com/office/powerpoint/2010/main" val="4053576894"/>
-      </p:ext>
-    </p:extLst>
   </p:cSld>
   <p:clrMapOvr>
     <a:masterClrMapping/>
@@ -1747,7 +1664,7 @@
             <a:spLocks noGrp="1"/>
           </p:cNvSpPr>
           <p:nvPr>
-            <p:ph idx="1"/>
+            <p:ph idx="1" hasCustomPrompt="1"/>
           </p:nvPr>
         </p:nvSpPr>
         <p:spPr/>
@@ -1760,6 +1677,7 @@
               <a:rPr lang="zh-CN" altLang="en-US" smtClean="0"/>
               <a:t>编辑母版文本样式</a:t>
             </a:r>
+            <a:endParaRPr lang="zh-CN" altLang="en-US" smtClean="0"/>
           </a:p>
           <a:p>
             <a:pPr lvl="1"/>
@@ -1767,6 +1685,7 @@
               <a:rPr lang="zh-CN" altLang="en-US" smtClean="0"/>
               <a:t>第二级</a:t>
             </a:r>
+            <a:endParaRPr lang="zh-CN" altLang="en-US" smtClean="0"/>
           </a:p>
           <a:p>
             <a:pPr lvl="2"/>
@@ -1774,6 +1693,7 @@
               <a:rPr lang="zh-CN" altLang="en-US" smtClean="0"/>
               <a:t>第三级</a:t>
             </a:r>
+            <a:endParaRPr lang="zh-CN" altLang="en-US" smtClean="0"/>
           </a:p>
           <a:p>
             <a:pPr lvl="3"/>
@@ -1781,6 +1701,7 @@
               <a:rPr lang="zh-CN" altLang="en-US" smtClean="0"/>
               <a:t>第四级</a:t>
             </a:r>
+            <a:endParaRPr lang="zh-CN" altLang="en-US" smtClean="0"/>
           </a:p>
           <a:p>
             <a:pPr lvl="4"/>
@@ -1809,7 +1730,6 @@
           <a:p>
             <a:fld id="{3D0A598E-1133-4548-9FE0-915161A3608D}" type="datetimeFigureOut">
               <a:rPr lang="zh-CN" altLang="en-US" smtClean="0"/>
-              <a:t>2018/7/26</a:t>
             </a:fld>
             <a:endParaRPr lang="zh-CN" altLang="en-US"/>
           </a:p>
@@ -1851,18 +1771,12 @@
           <a:p>
             <a:fld id="{D19BEFEC-ADBD-4CB6-92E8-EF20253A434B}" type="slidenum">
               <a:rPr lang="zh-CN" altLang="en-US" smtClean="0"/>
-              <a:t>‹#›</a:t>
             </a:fld>
             <a:endParaRPr lang="zh-CN" altLang="en-US"/>
           </a:p>
         </p:txBody>
       </p:sp>
     </p:spTree>
-    <p:extLst>
-      <p:ext uri="{BB962C8B-B14F-4D97-AF65-F5344CB8AC3E}">
-        <p14:creationId xmlns:p14="http://schemas.microsoft.com/office/powerpoint/2010/main" val="1222081811"/>
-      </p:ext>
-    </p:extLst>
   </p:cSld>
   <p:clrMapOvr>
     <a:masterClrMapping/>
@@ -1926,7 +1840,7 @@
             <a:spLocks noGrp="1"/>
           </p:cNvSpPr>
           <p:nvPr>
-            <p:ph type="body" idx="1"/>
+            <p:ph type="body" idx="1" hasCustomPrompt="1"/>
           </p:nvPr>
         </p:nvSpPr>
         <p:spPr>
@@ -2035,6 +1949,7 @@
               <a:rPr lang="zh-CN" altLang="en-US" smtClean="0"/>
               <a:t>编辑母版文本样式</a:t>
             </a:r>
+            <a:endParaRPr lang="zh-CN" altLang="en-US" smtClean="0"/>
           </a:p>
         </p:txBody>
       </p:sp>
@@ -2055,7 +1970,6 @@
           <a:p>
             <a:fld id="{3D0A598E-1133-4548-9FE0-915161A3608D}" type="datetimeFigureOut">
               <a:rPr lang="zh-CN" altLang="en-US" smtClean="0"/>
-              <a:t>2018/7/26</a:t>
             </a:fld>
             <a:endParaRPr lang="zh-CN" altLang="en-US"/>
           </a:p>
@@ -2097,18 +2011,12 @@
           <a:p>
             <a:fld id="{D19BEFEC-ADBD-4CB6-92E8-EF20253A434B}" type="slidenum">
               <a:rPr lang="zh-CN" altLang="en-US" smtClean="0"/>
-              <a:t>‹#›</a:t>
             </a:fld>
             <a:endParaRPr lang="zh-CN" altLang="en-US"/>
           </a:p>
         </p:txBody>
       </p:sp>
     </p:spTree>
-    <p:extLst>
-      <p:ext uri="{BB962C8B-B14F-4D97-AF65-F5344CB8AC3E}">
-        <p14:creationId xmlns:p14="http://schemas.microsoft.com/office/powerpoint/2010/main" val="92676973"/>
-      </p:ext>
-    </p:extLst>
   </p:cSld>
   <p:clrMapOvr>
     <a:masterClrMapping/>
@@ -2163,7 +2071,7 @@
             <a:spLocks noGrp="1"/>
           </p:cNvSpPr>
           <p:nvPr>
-            <p:ph sz="half" idx="1"/>
+            <p:ph sz="half" idx="1" hasCustomPrompt="1"/>
           </p:nvPr>
         </p:nvSpPr>
         <p:spPr>
@@ -2181,6 +2089,7 @@
               <a:rPr lang="zh-CN" altLang="en-US" smtClean="0"/>
               <a:t>编辑母版文本样式</a:t>
             </a:r>
+            <a:endParaRPr lang="zh-CN" altLang="en-US" smtClean="0"/>
           </a:p>
           <a:p>
             <a:pPr lvl="1"/>
@@ -2188,6 +2097,7 @@
               <a:rPr lang="zh-CN" altLang="en-US" smtClean="0"/>
               <a:t>第二级</a:t>
             </a:r>
+            <a:endParaRPr lang="zh-CN" altLang="en-US" smtClean="0"/>
           </a:p>
           <a:p>
             <a:pPr lvl="2"/>
@@ -2195,6 +2105,7 @@
               <a:rPr lang="zh-CN" altLang="en-US" smtClean="0"/>
               <a:t>第三级</a:t>
             </a:r>
+            <a:endParaRPr lang="zh-CN" altLang="en-US" smtClean="0"/>
           </a:p>
           <a:p>
             <a:pPr lvl="3"/>
@@ -2202,6 +2113,7 @@
               <a:rPr lang="zh-CN" altLang="en-US" smtClean="0"/>
               <a:t>第四级</a:t>
             </a:r>
+            <a:endParaRPr lang="zh-CN" altLang="en-US" smtClean="0"/>
           </a:p>
           <a:p>
             <a:pPr lvl="4"/>
@@ -2220,7 +2132,7 @@
             <a:spLocks noGrp="1"/>
           </p:cNvSpPr>
           <p:nvPr>
-            <p:ph sz="half" idx="2"/>
+            <p:ph sz="half" idx="2" hasCustomPrompt="1"/>
           </p:nvPr>
         </p:nvSpPr>
         <p:spPr>
@@ -2238,6 +2150,7 @@
               <a:rPr lang="zh-CN" altLang="en-US" smtClean="0"/>
               <a:t>编辑母版文本样式</a:t>
             </a:r>
+            <a:endParaRPr lang="zh-CN" altLang="en-US" smtClean="0"/>
           </a:p>
           <a:p>
             <a:pPr lvl="1"/>
@@ -2245,6 +2158,7 @@
               <a:rPr lang="zh-CN" altLang="en-US" smtClean="0"/>
               <a:t>第二级</a:t>
             </a:r>
+            <a:endParaRPr lang="zh-CN" altLang="en-US" smtClean="0"/>
           </a:p>
           <a:p>
             <a:pPr lvl="2"/>
@@ -2252,6 +2166,7 @@
               <a:rPr lang="zh-CN" altLang="en-US" smtClean="0"/>
               <a:t>第三级</a:t>
             </a:r>
+            <a:endParaRPr lang="zh-CN" altLang="en-US" smtClean="0"/>
           </a:p>
           <a:p>
             <a:pPr lvl="3"/>
@@ -2259,6 +2174,7 @@
               <a:rPr lang="zh-CN" altLang="en-US" smtClean="0"/>
               <a:t>第四级</a:t>
             </a:r>
+            <a:endParaRPr lang="zh-CN" altLang="en-US" smtClean="0"/>
           </a:p>
           <a:p>
             <a:pPr lvl="4"/>
@@ -2287,7 +2203,6 @@
           <a:p>
             <a:fld id="{3D0A598E-1133-4548-9FE0-915161A3608D}" type="datetimeFigureOut">
               <a:rPr lang="zh-CN" altLang="en-US" smtClean="0"/>
-              <a:t>2018/7/26</a:t>
             </a:fld>
             <a:endParaRPr lang="zh-CN" altLang="en-US"/>
           </a:p>
@@ -2329,18 +2244,12 @@
           <a:p>
             <a:fld id="{D19BEFEC-ADBD-4CB6-92E8-EF20253A434B}" type="slidenum">
               <a:rPr lang="zh-CN" altLang="en-US" smtClean="0"/>
-              <a:t>‹#›</a:t>
             </a:fld>
             <a:endParaRPr lang="zh-CN" altLang="en-US"/>
           </a:p>
         </p:txBody>
       </p:sp>
     </p:spTree>
-    <p:extLst>
-      <p:ext uri="{BB962C8B-B14F-4D97-AF65-F5344CB8AC3E}">
-        <p14:creationId xmlns:p14="http://schemas.microsoft.com/office/powerpoint/2010/main" val="1628004068"/>
-      </p:ext>
-    </p:extLst>
   </p:cSld>
   <p:clrMapOvr>
     <a:masterClrMapping/>
@@ -2400,7 +2309,7 @@
             <a:spLocks noGrp="1"/>
           </p:cNvSpPr>
           <p:nvPr>
-            <p:ph type="body" idx="1"/>
+            <p:ph type="body" idx="1" hasCustomPrompt="1"/>
           </p:nvPr>
         </p:nvSpPr>
         <p:spPr>
@@ -2455,6 +2364,7 @@
               <a:rPr lang="zh-CN" altLang="en-US" smtClean="0"/>
               <a:t>编辑母版文本样式</a:t>
             </a:r>
+            <a:endParaRPr lang="zh-CN" altLang="en-US" smtClean="0"/>
           </a:p>
         </p:txBody>
       </p:sp>
@@ -2465,7 +2375,7 @@
             <a:spLocks noGrp="1"/>
           </p:cNvSpPr>
           <p:nvPr>
-            <p:ph sz="half" idx="2"/>
+            <p:ph sz="half" idx="2" hasCustomPrompt="1"/>
           </p:nvPr>
         </p:nvSpPr>
         <p:spPr>
@@ -2483,6 +2393,7 @@
               <a:rPr lang="zh-CN" altLang="en-US" smtClean="0"/>
               <a:t>编辑母版文本样式</a:t>
             </a:r>
+            <a:endParaRPr lang="zh-CN" altLang="en-US" smtClean="0"/>
           </a:p>
           <a:p>
             <a:pPr lvl="1"/>
@@ -2490,6 +2401,7 @@
               <a:rPr lang="zh-CN" altLang="en-US" smtClean="0"/>
               <a:t>第二级</a:t>
             </a:r>
+            <a:endParaRPr lang="zh-CN" altLang="en-US" smtClean="0"/>
           </a:p>
           <a:p>
             <a:pPr lvl="2"/>
@@ -2497,6 +2409,7 @@
               <a:rPr lang="zh-CN" altLang="en-US" smtClean="0"/>
               <a:t>第三级</a:t>
             </a:r>
+            <a:endParaRPr lang="zh-CN" altLang="en-US" smtClean="0"/>
           </a:p>
           <a:p>
             <a:pPr lvl="3"/>
@@ -2504,6 +2417,7 @@
               <a:rPr lang="zh-CN" altLang="en-US" smtClean="0"/>
               <a:t>第四级</a:t>
             </a:r>
+            <a:endParaRPr lang="zh-CN" altLang="en-US" smtClean="0"/>
           </a:p>
           <a:p>
             <a:pPr lvl="4"/>
@@ -2522,7 +2436,7 @@
             <a:spLocks noGrp="1"/>
           </p:cNvSpPr>
           <p:nvPr>
-            <p:ph type="body" sz="quarter" idx="3"/>
+            <p:ph type="body" sz="quarter" idx="3" hasCustomPrompt="1"/>
           </p:nvPr>
         </p:nvSpPr>
         <p:spPr>
@@ -2577,6 +2491,7 @@
               <a:rPr lang="zh-CN" altLang="en-US" smtClean="0"/>
               <a:t>编辑母版文本样式</a:t>
             </a:r>
+            <a:endParaRPr lang="zh-CN" altLang="en-US" smtClean="0"/>
           </a:p>
         </p:txBody>
       </p:sp>
@@ -2587,7 +2502,7 @@
             <a:spLocks noGrp="1"/>
           </p:cNvSpPr>
           <p:nvPr>
-            <p:ph sz="quarter" idx="4"/>
+            <p:ph sz="quarter" idx="4" hasCustomPrompt="1"/>
           </p:nvPr>
         </p:nvSpPr>
         <p:spPr>
@@ -2605,6 +2520,7 @@
               <a:rPr lang="zh-CN" altLang="en-US" smtClean="0"/>
               <a:t>编辑母版文本样式</a:t>
             </a:r>
+            <a:endParaRPr lang="zh-CN" altLang="en-US" smtClean="0"/>
           </a:p>
           <a:p>
             <a:pPr lvl="1"/>
@@ -2612,6 +2528,7 @@
               <a:rPr lang="zh-CN" altLang="en-US" smtClean="0"/>
               <a:t>第二级</a:t>
             </a:r>
+            <a:endParaRPr lang="zh-CN" altLang="en-US" smtClean="0"/>
           </a:p>
           <a:p>
             <a:pPr lvl="2"/>
@@ -2619,6 +2536,7 @@
               <a:rPr lang="zh-CN" altLang="en-US" smtClean="0"/>
               <a:t>第三级</a:t>
             </a:r>
+            <a:endParaRPr lang="zh-CN" altLang="en-US" smtClean="0"/>
           </a:p>
           <a:p>
             <a:pPr lvl="3"/>
@@ -2626,6 +2544,7 @@
               <a:rPr lang="zh-CN" altLang="en-US" smtClean="0"/>
               <a:t>第四级</a:t>
             </a:r>
+            <a:endParaRPr lang="zh-CN" altLang="en-US" smtClean="0"/>
           </a:p>
           <a:p>
             <a:pPr lvl="4"/>
@@ -2654,7 +2573,6 @@
           <a:p>
             <a:fld id="{3D0A598E-1133-4548-9FE0-915161A3608D}" type="datetimeFigureOut">
               <a:rPr lang="zh-CN" altLang="en-US" smtClean="0"/>
-              <a:t>2018/7/26</a:t>
             </a:fld>
             <a:endParaRPr lang="zh-CN" altLang="en-US"/>
           </a:p>
@@ -2696,7 +2614,6 @@
           <a:p>
             <a:fld id="{D19BEFEC-ADBD-4CB6-92E8-EF20253A434B}" type="slidenum">
               <a:rPr lang="zh-CN" altLang="en-US" smtClean="0"/>
-              <a:t>‹#›</a:t>
             </a:fld>
             <a:endParaRPr lang="zh-CN" altLang="en-US"/>
           </a:p>
@@ -2728,8 +2645,8 @@
                 <a:solidFill>
                   <a:srgbClr val="331433"/>
                 </a:solidFill>
-                <a:latin typeface="Calibri"/>
-                <a:ea typeface="宋体"/>
+                <a:latin typeface="Calibri" panose="020F0502020204030204"/>
+                <a:ea typeface="宋体" panose="02010600030101010101" pitchFamily="2" charset="-122"/>
               </a:rPr>
               <a:t>PPT</a:t>
             </a:r>
@@ -2738,8 +2655,8 @@
                 <a:solidFill>
                   <a:srgbClr val="331433"/>
                 </a:solidFill>
-                <a:latin typeface="Calibri"/>
-                <a:ea typeface="宋体"/>
+                <a:latin typeface="Calibri" panose="020F0502020204030204"/>
+                <a:ea typeface="宋体" panose="02010600030101010101" pitchFamily="2" charset="-122"/>
               </a:rPr>
               <a:t>模板下载：</a:t>
             </a:r>
@@ -2748,8 +2665,8 @@
                 <a:solidFill>
                   <a:srgbClr val="331433"/>
                 </a:solidFill>
-                <a:latin typeface="Calibri"/>
-                <a:ea typeface="宋体"/>
+                <a:latin typeface="Calibri" panose="020F0502020204030204"/>
+                <a:ea typeface="宋体" panose="02010600030101010101" pitchFamily="2" charset="-122"/>
               </a:rPr>
               <a:t>www.1ppt.com/moban/     </a:t>
             </a:r>
@@ -2758,8 +2675,8 @@
                 <a:solidFill>
                   <a:srgbClr val="331433"/>
                 </a:solidFill>
-                <a:latin typeface="Calibri"/>
-                <a:ea typeface="宋体"/>
+                <a:latin typeface="Calibri" panose="020F0502020204030204"/>
+                <a:ea typeface="宋体" panose="02010600030101010101" pitchFamily="2" charset="-122"/>
               </a:rPr>
               <a:t>行业</a:t>
             </a:r>
@@ -2768,8 +2685,8 @@
                 <a:solidFill>
                   <a:srgbClr val="331433"/>
                 </a:solidFill>
-                <a:latin typeface="Calibri"/>
-                <a:ea typeface="宋体"/>
+                <a:latin typeface="Calibri" panose="020F0502020204030204"/>
+                <a:ea typeface="宋体" panose="02010600030101010101" pitchFamily="2" charset="-122"/>
               </a:rPr>
               <a:t>PPT</a:t>
             </a:r>
@@ -2778,8 +2695,8 @@
                 <a:solidFill>
                   <a:srgbClr val="331433"/>
                 </a:solidFill>
-                <a:latin typeface="Calibri"/>
-                <a:ea typeface="宋体"/>
+                <a:latin typeface="Calibri" panose="020F0502020204030204"/>
+                <a:ea typeface="宋体" panose="02010600030101010101" pitchFamily="2" charset="-122"/>
               </a:rPr>
               <a:t>模板：</a:t>
             </a:r>
@@ -2788,11 +2705,18 @@
                 <a:solidFill>
                   <a:srgbClr val="331433"/>
                 </a:solidFill>
-                <a:latin typeface="Calibri"/>
-                <a:ea typeface="宋体"/>
+                <a:latin typeface="Calibri" panose="020F0502020204030204"/>
+                <a:ea typeface="宋体" panose="02010600030101010101" pitchFamily="2" charset="-122"/>
               </a:rPr>
               <a:t>www.1ppt.com/hangye/ </a:t>
             </a:r>
+            <a:endParaRPr lang="en-US" altLang="zh-CN" sz="100" dirty="0">
+              <a:solidFill>
+                <a:srgbClr val="331433"/>
+              </a:solidFill>
+              <a:latin typeface="Calibri" panose="020F0502020204030204"/>
+              <a:ea typeface="宋体" panose="02010600030101010101" pitchFamily="2" charset="-122"/>
+            </a:endParaRPr>
           </a:p>
           <a:p>
             <a:r>
@@ -2800,8 +2724,8 @@
                 <a:solidFill>
                   <a:srgbClr val="331433"/>
                 </a:solidFill>
-                <a:latin typeface="Calibri"/>
-                <a:ea typeface="宋体"/>
+                <a:latin typeface="Calibri" panose="020F0502020204030204"/>
+                <a:ea typeface="宋体" panose="02010600030101010101" pitchFamily="2" charset="-122"/>
               </a:rPr>
               <a:t>节日</a:t>
             </a:r>
@@ -2810,8 +2734,8 @@
                 <a:solidFill>
                   <a:srgbClr val="331433"/>
                 </a:solidFill>
-                <a:latin typeface="Calibri"/>
-                <a:ea typeface="宋体"/>
+                <a:latin typeface="Calibri" panose="020F0502020204030204"/>
+                <a:ea typeface="宋体" panose="02010600030101010101" pitchFamily="2" charset="-122"/>
               </a:rPr>
               <a:t>PPT</a:t>
             </a:r>
@@ -2820,8 +2744,8 @@
                 <a:solidFill>
                   <a:srgbClr val="331433"/>
                 </a:solidFill>
-                <a:latin typeface="Calibri"/>
-                <a:ea typeface="宋体"/>
+                <a:latin typeface="Calibri" panose="020F0502020204030204"/>
+                <a:ea typeface="宋体" panose="02010600030101010101" pitchFamily="2" charset="-122"/>
               </a:rPr>
               <a:t>模板：</a:t>
             </a:r>
@@ -2830,8 +2754,8 @@
                 <a:solidFill>
                   <a:srgbClr val="331433"/>
                 </a:solidFill>
-                <a:latin typeface="Calibri"/>
-                <a:ea typeface="宋体"/>
+                <a:latin typeface="Calibri" panose="020F0502020204030204"/>
+                <a:ea typeface="宋体" panose="02010600030101010101" pitchFamily="2" charset="-122"/>
               </a:rPr>
               <a:t>www.1ppt.com/jieri/           PPT</a:t>
             </a:r>
@@ -2840,8 +2764,8 @@
                 <a:solidFill>
                   <a:srgbClr val="331433"/>
                 </a:solidFill>
-                <a:latin typeface="Calibri"/>
-                <a:ea typeface="宋体"/>
+                <a:latin typeface="Calibri" panose="020F0502020204030204"/>
+                <a:ea typeface="宋体" panose="02010600030101010101" pitchFamily="2" charset="-122"/>
               </a:rPr>
               <a:t>素材下载：</a:t>
             </a:r>
@@ -2850,11 +2774,18 @@
                 <a:solidFill>
                   <a:srgbClr val="331433"/>
                 </a:solidFill>
-                <a:latin typeface="Calibri"/>
-                <a:ea typeface="宋体"/>
+                <a:latin typeface="Calibri" panose="020F0502020204030204"/>
+                <a:ea typeface="宋体" panose="02010600030101010101" pitchFamily="2" charset="-122"/>
               </a:rPr>
               <a:t>www.1ppt.com/sucai/</a:t>
             </a:r>
+            <a:endParaRPr lang="en-US" altLang="zh-CN" sz="100" dirty="0">
+              <a:solidFill>
+                <a:srgbClr val="331433"/>
+              </a:solidFill>
+              <a:latin typeface="Calibri" panose="020F0502020204030204"/>
+              <a:ea typeface="宋体" panose="02010600030101010101" pitchFamily="2" charset="-122"/>
+            </a:endParaRPr>
           </a:p>
           <a:p>
             <a:r>
@@ -2862,8 +2793,8 @@
                 <a:solidFill>
                   <a:srgbClr val="331433"/>
                 </a:solidFill>
-                <a:latin typeface="Calibri"/>
-                <a:ea typeface="宋体"/>
+                <a:latin typeface="Calibri" panose="020F0502020204030204"/>
+                <a:ea typeface="宋体" panose="02010600030101010101" pitchFamily="2" charset="-122"/>
               </a:rPr>
               <a:t>PPT</a:t>
             </a:r>
@@ -2872,8 +2803,8 @@
                 <a:solidFill>
                   <a:srgbClr val="331433"/>
                 </a:solidFill>
-                <a:latin typeface="Calibri"/>
-                <a:ea typeface="宋体"/>
+                <a:latin typeface="Calibri" panose="020F0502020204030204"/>
+                <a:ea typeface="宋体" panose="02010600030101010101" pitchFamily="2" charset="-122"/>
               </a:rPr>
               <a:t>背景图片：</a:t>
             </a:r>
@@ -2882,8 +2813,8 @@
                 <a:solidFill>
                   <a:srgbClr val="331433"/>
                 </a:solidFill>
-                <a:latin typeface="Calibri"/>
-                <a:ea typeface="宋体"/>
+                <a:latin typeface="Calibri" panose="020F0502020204030204"/>
+                <a:ea typeface="宋体" panose="02010600030101010101" pitchFamily="2" charset="-122"/>
               </a:rPr>
               <a:t>www.1ppt.com/beijing/      PPT</a:t>
             </a:r>
@@ -2892,8 +2823,8 @@
                 <a:solidFill>
                   <a:srgbClr val="331433"/>
                 </a:solidFill>
-                <a:latin typeface="Calibri"/>
-                <a:ea typeface="宋体"/>
+                <a:latin typeface="Calibri" panose="020F0502020204030204"/>
+                <a:ea typeface="宋体" panose="02010600030101010101" pitchFamily="2" charset="-122"/>
               </a:rPr>
               <a:t>图表下载：</a:t>
             </a:r>
@@ -2902,11 +2833,18 @@
                 <a:solidFill>
                   <a:srgbClr val="331433"/>
                 </a:solidFill>
-                <a:latin typeface="Calibri"/>
-                <a:ea typeface="宋体"/>
+                <a:latin typeface="Calibri" panose="020F0502020204030204"/>
+                <a:ea typeface="宋体" panose="02010600030101010101" pitchFamily="2" charset="-122"/>
               </a:rPr>
               <a:t>www.1ppt.com/tubiao/      </a:t>
             </a:r>
+            <a:endParaRPr lang="en-US" altLang="zh-CN" sz="100" dirty="0">
+              <a:solidFill>
+                <a:srgbClr val="331433"/>
+              </a:solidFill>
+              <a:latin typeface="Calibri" panose="020F0502020204030204"/>
+              <a:ea typeface="宋体" panose="02010600030101010101" pitchFamily="2" charset="-122"/>
+            </a:endParaRPr>
           </a:p>
           <a:p>
             <a:r>
@@ -2914,8 +2852,8 @@
                 <a:solidFill>
                   <a:srgbClr val="331433"/>
                 </a:solidFill>
-                <a:latin typeface="Calibri"/>
-                <a:ea typeface="宋体"/>
+                <a:latin typeface="Calibri" panose="020F0502020204030204"/>
+                <a:ea typeface="宋体" panose="02010600030101010101" pitchFamily="2" charset="-122"/>
               </a:rPr>
               <a:t>优秀</a:t>
             </a:r>
@@ -2924,8 +2862,8 @@
                 <a:solidFill>
                   <a:srgbClr val="331433"/>
                 </a:solidFill>
-                <a:latin typeface="Calibri"/>
-                <a:ea typeface="宋体"/>
+                <a:latin typeface="Calibri" panose="020F0502020204030204"/>
+                <a:ea typeface="宋体" panose="02010600030101010101" pitchFamily="2" charset="-122"/>
               </a:rPr>
               <a:t>PPT</a:t>
             </a:r>
@@ -2934,8 +2872,8 @@
                 <a:solidFill>
                   <a:srgbClr val="331433"/>
                 </a:solidFill>
-                <a:latin typeface="Calibri"/>
-                <a:ea typeface="宋体"/>
+                <a:latin typeface="Calibri" panose="020F0502020204030204"/>
+                <a:ea typeface="宋体" panose="02010600030101010101" pitchFamily="2" charset="-122"/>
               </a:rPr>
               <a:t>下载：</a:t>
             </a:r>
@@ -2944,8 +2882,8 @@
                 <a:solidFill>
                   <a:srgbClr val="331433"/>
                 </a:solidFill>
-                <a:latin typeface="Calibri"/>
-                <a:ea typeface="宋体"/>
+                <a:latin typeface="Calibri" panose="020F0502020204030204"/>
+                <a:ea typeface="宋体" panose="02010600030101010101" pitchFamily="2" charset="-122"/>
               </a:rPr>
               <a:t>www.1ppt.com/xiazai/        PPT</a:t>
             </a:r>
@@ -2954,8 +2892,8 @@
                 <a:solidFill>
                   <a:srgbClr val="331433"/>
                 </a:solidFill>
-                <a:latin typeface="Calibri"/>
-                <a:ea typeface="宋体"/>
+                <a:latin typeface="Calibri" panose="020F0502020204030204"/>
+                <a:ea typeface="宋体" panose="02010600030101010101" pitchFamily="2" charset="-122"/>
               </a:rPr>
               <a:t>教程： </a:t>
             </a:r>
@@ -2964,11 +2902,18 @@
                 <a:solidFill>
                   <a:srgbClr val="331433"/>
                 </a:solidFill>
-                <a:latin typeface="Calibri"/>
-                <a:ea typeface="宋体"/>
+                <a:latin typeface="Calibri" panose="020F0502020204030204"/>
+                <a:ea typeface="宋体" panose="02010600030101010101" pitchFamily="2" charset="-122"/>
               </a:rPr>
               <a:t>www.1ppt.com/powerpoint/      </a:t>
             </a:r>
+            <a:endParaRPr lang="en-US" altLang="zh-CN" sz="100" dirty="0">
+              <a:solidFill>
+                <a:srgbClr val="331433"/>
+              </a:solidFill>
+              <a:latin typeface="Calibri" panose="020F0502020204030204"/>
+              <a:ea typeface="宋体" panose="02010600030101010101" pitchFamily="2" charset="-122"/>
+            </a:endParaRPr>
           </a:p>
           <a:p>
             <a:r>
@@ -2976,8 +2921,8 @@
                 <a:solidFill>
                   <a:srgbClr val="331433"/>
                 </a:solidFill>
-                <a:latin typeface="Calibri"/>
-                <a:ea typeface="宋体"/>
+                <a:latin typeface="Calibri" panose="020F0502020204030204"/>
+                <a:ea typeface="宋体" panose="02010600030101010101" pitchFamily="2" charset="-122"/>
               </a:rPr>
               <a:t>Word</a:t>
             </a:r>
@@ -2986,8 +2931,8 @@
                 <a:solidFill>
                   <a:srgbClr val="331433"/>
                 </a:solidFill>
-                <a:latin typeface="Calibri"/>
-                <a:ea typeface="宋体"/>
+                <a:latin typeface="Calibri" panose="020F0502020204030204"/>
+                <a:ea typeface="宋体" panose="02010600030101010101" pitchFamily="2" charset="-122"/>
               </a:rPr>
               <a:t>教程： </a:t>
             </a:r>
@@ -2996,8 +2941,8 @@
                 <a:solidFill>
                   <a:srgbClr val="331433"/>
                 </a:solidFill>
-                <a:latin typeface="Calibri"/>
-                <a:ea typeface="宋体"/>
+                <a:latin typeface="Calibri" panose="020F0502020204030204"/>
+                <a:ea typeface="宋体" panose="02010600030101010101" pitchFamily="2" charset="-122"/>
               </a:rPr>
               <a:t>www.1ppt.com/word/              Excel</a:t>
             </a:r>
@@ -3006,8 +2951,8 @@
                 <a:solidFill>
                   <a:srgbClr val="331433"/>
                 </a:solidFill>
-                <a:latin typeface="Calibri"/>
-                <a:ea typeface="宋体"/>
+                <a:latin typeface="Calibri" panose="020F0502020204030204"/>
+                <a:ea typeface="宋体" panose="02010600030101010101" pitchFamily="2" charset="-122"/>
               </a:rPr>
               <a:t>教程：</a:t>
             </a:r>
@@ -3016,11 +2961,18 @@
                 <a:solidFill>
                   <a:srgbClr val="331433"/>
                 </a:solidFill>
-                <a:latin typeface="Calibri"/>
-                <a:ea typeface="宋体"/>
+                <a:latin typeface="Calibri" panose="020F0502020204030204"/>
+                <a:ea typeface="宋体" panose="02010600030101010101" pitchFamily="2" charset="-122"/>
               </a:rPr>
               <a:t>www.1ppt.com/excel/  </a:t>
             </a:r>
+            <a:endParaRPr lang="en-US" altLang="zh-CN" sz="100" dirty="0">
+              <a:solidFill>
+                <a:srgbClr val="331433"/>
+              </a:solidFill>
+              <a:latin typeface="Calibri" panose="020F0502020204030204"/>
+              <a:ea typeface="宋体" panose="02010600030101010101" pitchFamily="2" charset="-122"/>
+            </a:endParaRPr>
           </a:p>
           <a:p>
             <a:r>
@@ -3028,8 +2980,8 @@
                 <a:solidFill>
                   <a:srgbClr val="331433"/>
                 </a:solidFill>
-                <a:latin typeface="Calibri"/>
-                <a:ea typeface="宋体"/>
+                <a:latin typeface="Calibri" panose="020F0502020204030204"/>
+                <a:ea typeface="宋体" panose="02010600030101010101" pitchFamily="2" charset="-122"/>
               </a:rPr>
               <a:t>资料下载：</a:t>
             </a:r>
@@ -3038,8 +2990,8 @@
                 <a:solidFill>
                   <a:srgbClr val="331433"/>
                 </a:solidFill>
-                <a:latin typeface="Calibri"/>
-                <a:ea typeface="宋体"/>
+                <a:latin typeface="Calibri" panose="020F0502020204030204"/>
+                <a:ea typeface="宋体" panose="02010600030101010101" pitchFamily="2" charset="-122"/>
               </a:rPr>
               <a:t>www.1ppt.com/ziliao/                PPT</a:t>
             </a:r>
@@ -3048,8 +3000,8 @@
                 <a:solidFill>
                   <a:srgbClr val="331433"/>
                 </a:solidFill>
-                <a:latin typeface="Calibri"/>
-                <a:ea typeface="宋体"/>
+                <a:latin typeface="Calibri" panose="020F0502020204030204"/>
+                <a:ea typeface="宋体" panose="02010600030101010101" pitchFamily="2" charset="-122"/>
               </a:rPr>
               <a:t>课件下载：</a:t>
             </a:r>
@@ -3058,11 +3010,18 @@
                 <a:solidFill>
                   <a:srgbClr val="331433"/>
                 </a:solidFill>
-                <a:latin typeface="Calibri"/>
-                <a:ea typeface="宋体"/>
+                <a:latin typeface="Calibri" panose="020F0502020204030204"/>
+                <a:ea typeface="宋体" panose="02010600030101010101" pitchFamily="2" charset="-122"/>
               </a:rPr>
               <a:t>www.1ppt.com/kejian/ </a:t>
             </a:r>
+            <a:endParaRPr lang="en-US" altLang="zh-CN" sz="100" dirty="0">
+              <a:solidFill>
+                <a:srgbClr val="331433"/>
+              </a:solidFill>
+              <a:latin typeface="Calibri" panose="020F0502020204030204"/>
+              <a:ea typeface="宋体" panose="02010600030101010101" pitchFamily="2" charset="-122"/>
+            </a:endParaRPr>
           </a:p>
           <a:p>
             <a:r>
@@ -3070,8 +3029,8 @@
                 <a:solidFill>
                   <a:srgbClr val="331433"/>
                 </a:solidFill>
-                <a:latin typeface="Calibri"/>
-                <a:ea typeface="宋体"/>
+                <a:latin typeface="Calibri" panose="020F0502020204030204"/>
+                <a:ea typeface="宋体" panose="02010600030101010101" pitchFamily="2" charset="-122"/>
               </a:rPr>
               <a:t>范文下载：</a:t>
             </a:r>
@@ -3080,8 +3039,8 @@
                 <a:solidFill>
                   <a:srgbClr val="331433"/>
                 </a:solidFill>
-                <a:latin typeface="Calibri"/>
-                <a:ea typeface="宋体"/>
+                <a:latin typeface="Calibri" panose="020F0502020204030204"/>
+                <a:ea typeface="宋体" panose="02010600030101010101" pitchFamily="2" charset="-122"/>
               </a:rPr>
               <a:t>www.1ppt.com/fanwen/             </a:t>
             </a:r>
@@ -3090,8 +3049,8 @@
                 <a:solidFill>
                   <a:srgbClr val="331433"/>
                 </a:solidFill>
-                <a:latin typeface="Calibri"/>
-                <a:ea typeface="宋体"/>
+                <a:latin typeface="Calibri" panose="020F0502020204030204"/>
+                <a:ea typeface="宋体" panose="02010600030101010101" pitchFamily="2" charset="-122"/>
               </a:rPr>
               <a:t>试卷下载：</a:t>
             </a:r>
@@ -3100,11 +3059,18 @@
                 <a:solidFill>
                   <a:srgbClr val="331433"/>
                 </a:solidFill>
-                <a:latin typeface="Calibri"/>
-                <a:ea typeface="宋体"/>
+                <a:latin typeface="Calibri" panose="020F0502020204030204"/>
+                <a:ea typeface="宋体" panose="02010600030101010101" pitchFamily="2" charset="-122"/>
               </a:rPr>
               <a:t>www.1ppt.com/shiti/  </a:t>
             </a:r>
+            <a:endParaRPr lang="en-US" altLang="zh-CN" sz="100" dirty="0">
+              <a:solidFill>
+                <a:srgbClr val="331433"/>
+              </a:solidFill>
+              <a:latin typeface="Calibri" panose="020F0502020204030204"/>
+              <a:ea typeface="宋体" panose="02010600030101010101" pitchFamily="2" charset="-122"/>
+            </a:endParaRPr>
           </a:p>
           <a:p>
             <a:r>
@@ -3112,8 +3078,8 @@
                 <a:solidFill>
                   <a:srgbClr val="331433"/>
                 </a:solidFill>
-                <a:latin typeface="Calibri"/>
-                <a:ea typeface="宋体"/>
+                <a:latin typeface="Calibri" panose="020F0502020204030204"/>
+                <a:ea typeface="宋体" panose="02010600030101010101" pitchFamily="2" charset="-122"/>
               </a:rPr>
               <a:t>教案下载：</a:t>
             </a:r>
@@ -3122,8 +3088,8 @@
                 <a:solidFill>
                   <a:srgbClr val="331433"/>
                 </a:solidFill>
-                <a:latin typeface="Calibri"/>
-                <a:ea typeface="宋体"/>
+                <a:latin typeface="Calibri" panose="020F0502020204030204"/>
+                <a:ea typeface="宋体" panose="02010600030101010101" pitchFamily="2" charset="-122"/>
               </a:rPr>
               <a:t>www.1ppt.com/jiaoan/  </a:t>
             </a:r>
@@ -3132,8 +3098,8 @@
                 <a:solidFill>
                   <a:srgbClr val="331433"/>
                 </a:solidFill>
-                <a:latin typeface="Calibri"/>
-                <a:ea typeface="宋体"/>
+                <a:latin typeface="Calibri" panose="020F0502020204030204"/>
+                <a:ea typeface="宋体" panose="02010600030101010101" pitchFamily="2" charset="-122"/>
               </a:rPr>
               <a:t>      </a:t>
             </a:r>
@@ -3141,8 +3107,8 @@
               <a:solidFill>
                 <a:srgbClr val="331433"/>
               </a:solidFill>
-              <a:latin typeface="Calibri"/>
-              <a:ea typeface="宋体"/>
+              <a:latin typeface="Calibri" panose="020F0502020204030204"/>
+              <a:ea typeface="宋体" panose="02010600030101010101" pitchFamily="2" charset="-122"/>
             </a:endParaRPr>
           </a:p>
           <a:p>
@@ -3151,8 +3117,8 @@
                 <a:solidFill>
                   <a:srgbClr val="331433"/>
                 </a:solidFill>
-                <a:latin typeface="Calibri"/>
-                <a:ea typeface="宋体"/>
+                <a:latin typeface="Calibri" panose="020F0502020204030204"/>
+                <a:ea typeface="宋体" panose="02010600030101010101" pitchFamily="2" charset="-122"/>
               </a:rPr>
               <a:t>字体下载：</a:t>
             </a:r>
@@ -3161,8 +3127,8 @@
                 <a:solidFill>
                   <a:srgbClr val="331433"/>
                 </a:solidFill>
-                <a:latin typeface="Calibri"/>
-                <a:ea typeface="宋体"/>
+                <a:latin typeface="Calibri" panose="020F0502020204030204"/>
+                <a:ea typeface="宋体" panose="02010600030101010101" pitchFamily="2" charset="-122"/>
               </a:rPr>
               <a:t>www.1ppt.com/ziti/</a:t>
             </a:r>
@@ -3170,8 +3136,8 @@
               <a:solidFill>
                 <a:srgbClr val="331433"/>
               </a:solidFill>
-              <a:latin typeface="Calibri"/>
-              <a:ea typeface="宋体"/>
+              <a:latin typeface="Calibri" panose="020F0502020204030204"/>
+              <a:ea typeface="宋体" panose="02010600030101010101" pitchFamily="2" charset="-122"/>
             </a:endParaRPr>
           </a:p>
           <a:p>
@@ -3180,8 +3146,8 @@
                 <a:solidFill>
                   <a:srgbClr val="331433"/>
                 </a:solidFill>
-                <a:latin typeface="Calibri"/>
-                <a:ea typeface="宋体"/>
+                <a:latin typeface="Calibri" panose="020F0502020204030204"/>
+                <a:ea typeface="宋体" panose="02010600030101010101" pitchFamily="2" charset="-122"/>
               </a:rPr>
               <a:t> </a:t>
             </a:r>
@@ -3189,18 +3155,13 @@
               <a:solidFill>
                 <a:srgbClr val="331433"/>
               </a:solidFill>
-              <a:latin typeface="Calibri"/>
-              <a:ea typeface="宋体"/>
+              <a:latin typeface="Calibri" panose="020F0502020204030204"/>
+              <a:ea typeface="宋体" panose="02010600030101010101" pitchFamily="2" charset="-122"/>
             </a:endParaRPr>
           </a:p>
         </p:txBody>
       </p:sp>
     </p:spTree>
-    <p:extLst>
-      <p:ext uri="{BB962C8B-B14F-4D97-AF65-F5344CB8AC3E}">
-        <p14:creationId xmlns:p14="http://schemas.microsoft.com/office/powerpoint/2010/main" val="4256341943"/>
-      </p:ext>
-    </p:extLst>
   </p:cSld>
   <p:clrMapOvr>
     <a:masterClrMapping/>
@@ -3265,7 +3226,6 @@
           <a:p>
             <a:fld id="{3D0A598E-1133-4548-9FE0-915161A3608D}" type="datetimeFigureOut">
               <a:rPr lang="zh-CN" altLang="en-US" smtClean="0"/>
-              <a:t>2018/7/26</a:t>
             </a:fld>
             <a:endParaRPr lang="zh-CN" altLang="en-US"/>
           </a:p>
@@ -3307,18 +3267,12 @@
           <a:p>
             <a:fld id="{D19BEFEC-ADBD-4CB6-92E8-EF20253A434B}" type="slidenum">
               <a:rPr lang="zh-CN" altLang="en-US" smtClean="0"/>
-              <a:t>‹#›</a:t>
             </a:fld>
             <a:endParaRPr lang="zh-CN" altLang="en-US"/>
           </a:p>
         </p:txBody>
       </p:sp>
     </p:spTree>
-    <p:extLst>
-      <p:ext uri="{BB962C8B-B14F-4D97-AF65-F5344CB8AC3E}">
-        <p14:creationId xmlns:p14="http://schemas.microsoft.com/office/powerpoint/2010/main" val="1494920691"/>
-      </p:ext>
-    </p:extLst>
   </p:cSld>
   <p:clrMapOvr>
     <a:masterClrMapping/>
@@ -3360,7 +3314,6 @@
           <a:p>
             <a:fld id="{3D0A598E-1133-4548-9FE0-915161A3608D}" type="datetimeFigureOut">
               <a:rPr lang="zh-CN" altLang="en-US" smtClean="0"/>
-              <a:t>2018/7/26</a:t>
             </a:fld>
             <a:endParaRPr lang="zh-CN" altLang="en-US"/>
           </a:p>
@@ -3402,18 +3355,12 @@
           <a:p>
             <a:fld id="{D19BEFEC-ADBD-4CB6-92E8-EF20253A434B}" type="slidenum">
               <a:rPr lang="zh-CN" altLang="en-US" smtClean="0"/>
-              <a:t>‹#›</a:t>
             </a:fld>
             <a:endParaRPr lang="zh-CN" altLang="en-US"/>
           </a:p>
         </p:txBody>
       </p:sp>
     </p:spTree>
-    <p:extLst>
-      <p:ext uri="{BB962C8B-B14F-4D97-AF65-F5344CB8AC3E}">
-        <p14:creationId xmlns:p14="http://schemas.microsoft.com/office/powerpoint/2010/main" val="4096121537"/>
-      </p:ext>
-    </p:extLst>
   </p:cSld>
   <p:clrMapOvr>
     <a:masterClrMapping/>
@@ -3477,7 +3424,7 @@
             <a:spLocks noGrp="1"/>
           </p:cNvSpPr>
           <p:nvPr>
-            <p:ph idx="1"/>
+            <p:ph idx="1" hasCustomPrompt="1"/>
           </p:nvPr>
         </p:nvSpPr>
         <p:spPr>
@@ -3523,6 +3470,7 @@
               <a:rPr lang="zh-CN" altLang="en-US" smtClean="0"/>
               <a:t>编辑母版文本样式</a:t>
             </a:r>
+            <a:endParaRPr lang="zh-CN" altLang="en-US" smtClean="0"/>
           </a:p>
           <a:p>
             <a:pPr lvl="1"/>
@@ -3530,6 +3478,7 @@
               <a:rPr lang="zh-CN" altLang="en-US" smtClean="0"/>
               <a:t>第二级</a:t>
             </a:r>
+            <a:endParaRPr lang="zh-CN" altLang="en-US" smtClean="0"/>
           </a:p>
           <a:p>
             <a:pPr lvl="2"/>
@@ -3537,6 +3486,7 @@
               <a:rPr lang="zh-CN" altLang="en-US" smtClean="0"/>
               <a:t>第三级</a:t>
             </a:r>
+            <a:endParaRPr lang="zh-CN" altLang="en-US" smtClean="0"/>
           </a:p>
           <a:p>
             <a:pPr lvl="3"/>
@@ -3544,6 +3494,7 @@
               <a:rPr lang="zh-CN" altLang="en-US" smtClean="0"/>
               <a:t>第四级</a:t>
             </a:r>
+            <a:endParaRPr lang="zh-CN" altLang="en-US" smtClean="0"/>
           </a:p>
           <a:p>
             <a:pPr lvl="4"/>
@@ -3562,7 +3513,7 @@
             <a:spLocks noGrp="1"/>
           </p:cNvSpPr>
           <p:nvPr>
-            <p:ph type="body" sz="half" idx="2"/>
+            <p:ph type="body" sz="half" idx="2" hasCustomPrompt="1"/>
           </p:nvPr>
         </p:nvSpPr>
         <p:spPr>
@@ -3617,6 +3568,7 @@
               <a:rPr lang="zh-CN" altLang="en-US" smtClean="0"/>
               <a:t>编辑母版文本样式</a:t>
             </a:r>
+            <a:endParaRPr lang="zh-CN" altLang="en-US" smtClean="0"/>
           </a:p>
         </p:txBody>
       </p:sp>
@@ -3637,7 +3589,6 @@
           <a:p>
             <a:fld id="{3D0A598E-1133-4548-9FE0-915161A3608D}" type="datetimeFigureOut">
               <a:rPr lang="zh-CN" altLang="en-US" smtClean="0"/>
-              <a:t>2018/7/26</a:t>
             </a:fld>
             <a:endParaRPr lang="zh-CN" altLang="en-US"/>
           </a:p>
@@ -3679,18 +3630,12 @@
           <a:p>
             <a:fld id="{D19BEFEC-ADBD-4CB6-92E8-EF20253A434B}" type="slidenum">
               <a:rPr lang="zh-CN" altLang="en-US" smtClean="0"/>
-              <a:t>‹#›</a:t>
             </a:fld>
             <a:endParaRPr lang="zh-CN" altLang="en-US"/>
           </a:p>
         </p:txBody>
       </p:sp>
     </p:spTree>
-    <p:extLst>
-      <p:ext uri="{BB962C8B-B14F-4D97-AF65-F5344CB8AC3E}">
-        <p14:creationId xmlns:p14="http://schemas.microsoft.com/office/powerpoint/2010/main" val="1643250359"/>
-      </p:ext>
-    </p:extLst>
   </p:cSld>
   <p:clrMapOvr>
     <a:masterClrMapping/>
@@ -3815,7 +3760,7 @@
             <a:spLocks noGrp="1"/>
           </p:cNvSpPr>
           <p:nvPr>
-            <p:ph type="body" sz="half" idx="2"/>
+            <p:ph type="body" sz="half" idx="2" hasCustomPrompt="1"/>
           </p:nvPr>
         </p:nvSpPr>
         <p:spPr>
@@ -3870,6 +3815,7 @@
               <a:rPr lang="zh-CN" altLang="en-US" smtClean="0"/>
               <a:t>编辑母版文本样式</a:t>
             </a:r>
+            <a:endParaRPr lang="zh-CN" altLang="en-US" smtClean="0"/>
           </a:p>
         </p:txBody>
       </p:sp>
@@ -3890,7 +3836,6 @@
           <a:p>
             <a:fld id="{3D0A598E-1133-4548-9FE0-915161A3608D}" type="datetimeFigureOut">
               <a:rPr lang="zh-CN" altLang="en-US" smtClean="0"/>
-              <a:t>2018/7/26</a:t>
             </a:fld>
             <a:endParaRPr lang="zh-CN" altLang="en-US"/>
           </a:p>
@@ -3932,18 +3877,12 @@
           <a:p>
             <a:fld id="{D19BEFEC-ADBD-4CB6-92E8-EF20253A434B}" type="slidenum">
               <a:rPr lang="zh-CN" altLang="en-US" smtClean="0"/>
-              <a:t>‹#›</a:t>
             </a:fld>
             <a:endParaRPr lang="zh-CN" altLang="en-US"/>
           </a:p>
         </p:txBody>
       </p:sp>
     </p:spTree>
-    <p:extLst>
-      <p:ext uri="{BB962C8B-B14F-4D97-AF65-F5344CB8AC3E}">
-        <p14:creationId xmlns:p14="http://schemas.microsoft.com/office/powerpoint/2010/main" val="3111678661"/>
-      </p:ext>
-    </p:extLst>
   </p:cSld>
   <p:clrMapOvr>
     <a:masterClrMapping/>
@@ -4051,6 +3990,7 @@
               <a:rPr lang="zh-CN" altLang="en-US" smtClean="0"/>
               <a:t>编辑母版文本样式</a:t>
             </a:r>
+            <a:endParaRPr lang="zh-CN" altLang="en-US" smtClean="0"/>
           </a:p>
           <a:p>
             <a:pPr lvl="1"/>
@@ -4058,6 +3998,7 @@
               <a:rPr lang="zh-CN" altLang="en-US" smtClean="0"/>
               <a:t>第二级</a:t>
             </a:r>
+            <a:endParaRPr lang="zh-CN" altLang="en-US" smtClean="0"/>
           </a:p>
           <a:p>
             <a:pPr lvl="2"/>
@@ -4065,6 +4006,7 @@
               <a:rPr lang="zh-CN" altLang="en-US" smtClean="0"/>
               <a:t>第三级</a:t>
             </a:r>
+            <a:endParaRPr lang="zh-CN" altLang="en-US" smtClean="0"/>
           </a:p>
           <a:p>
             <a:pPr lvl="3"/>
@@ -4072,6 +4014,7 @@
               <a:rPr lang="zh-CN" altLang="en-US" smtClean="0"/>
               <a:t>第四级</a:t>
             </a:r>
+            <a:endParaRPr lang="zh-CN" altLang="en-US" smtClean="0"/>
           </a:p>
           <a:p>
             <a:pPr lvl="4"/>
@@ -4118,7 +4061,6 @@
           <a:p>
             <a:fld id="{3D0A598E-1133-4548-9FE0-915161A3608D}" type="datetimeFigureOut">
               <a:rPr lang="zh-CN" altLang="en-US" smtClean="0"/>
-              <a:t>2018/7/26</a:t>
             </a:fld>
             <a:endParaRPr lang="zh-CN" altLang="en-US"/>
           </a:p>
@@ -4196,18 +4138,12 @@
           <a:p>
             <a:fld id="{D19BEFEC-ADBD-4CB6-92E8-EF20253A434B}" type="slidenum">
               <a:rPr lang="zh-CN" altLang="en-US" smtClean="0"/>
-              <a:t>‹#›</a:t>
             </a:fld>
             <a:endParaRPr lang="zh-CN" altLang="en-US"/>
           </a:p>
         </p:txBody>
       </p:sp>
     </p:spTree>
-    <p:extLst>
-      <p:ext uri="{BB962C8B-B14F-4D97-AF65-F5344CB8AC3E}">
-        <p14:creationId xmlns:p14="http://schemas.microsoft.com/office/powerpoint/2010/main" val="2458729519"/>
-      </p:ext>
-    </p:extLst>
   </p:cSld>
   <p:clrMap bg1="lt1" tx1="dk1" bg2="lt2" tx2="dk2" accent1="accent1" accent2="accent2" accent3="accent3" accent4="accent4" accent5="accent5" accent6="accent6" hlink="hlink" folHlink="folHlink"/>
   <p:sldLayoutIdLst>
@@ -4532,13 +4468,7 @@
           <p:nvPr/>
         </p:nvPicPr>
         <p:blipFill>
-          <a:blip r:embed="rId3">
-            <a:extLst>
-              <a:ext uri="{28A0092B-C50C-407E-A947-70E740481C1C}">
-                <a14:useLocalDpi xmlns:a14="http://schemas.microsoft.com/office/drawing/2010/main"/>
-              </a:ext>
-            </a:extLst>
-          </a:blip>
+          <a:blip r:embed="rId1"/>
           <a:stretch>
             <a:fillRect/>
           </a:stretch>
@@ -4687,22 +4617,17 @@
         </p:cxnSp>
       </p:grpSp>
     </p:spTree>
-    <p:extLst>
-      <p:ext uri="{BB962C8B-B14F-4D97-AF65-F5344CB8AC3E}">
-        <p14:creationId xmlns:p14="http://schemas.microsoft.com/office/powerpoint/2010/main" val="2392925744"/>
-      </p:ext>
-    </p:extLst>
   </p:cSld>
   <p:clrMapOvr>
     <a:masterClrMapping/>
   </p:clrMapOvr>
-  <mc:AlternateContent xmlns:mc="http://schemas.openxmlformats.org/markup-compatibility/2006" xmlns:p14="http://schemas.microsoft.com/office/powerpoint/2010/main">
-    <mc:Choice Requires="p14">
+  <mc:AlternateContent xmlns:mc="http://schemas.openxmlformats.org/markup-compatibility/2006">
+    <mc:Choice xmlns:p14="http://schemas.microsoft.com/office/powerpoint/2010/main" Requires="p14">
       <p:transition spd="slow" p14:dur="1200">
         <p14:prism/>
       </p:transition>
     </mc:Choice>
-    <mc:Fallback xmlns="">
+    <mc:Fallback>
       <p:transition spd="slow">
         <p:fade/>
       </p:transition>
@@ -4869,7 +4794,6 @@
             <a:avLst/>
           </a:prstGeom>
           <a:noFill/>
-          <a:extLst/>
         </p:spPr>
         <p:txBody>
           <a:bodyPr wrap="square" lIns="90000" tIns="46800" rIns="90000" bIns="46800">
@@ -4892,9 +4816,9 @@
                     </a:prstClr>
                   </a:outerShdw>
                 </a:effectLst>
-                <a:latin typeface="Tahoma" pitchFamily="34" charset="0"/>
-                <a:ea typeface="Tahoma" pitchFamily="34" charset="0"/>
-                <a:cs typeface="Tahoma" pitchFamily="34" charset="0"/>
+                <a:latin typeface="Tahoma" panose="020B0604030504040204" pitchFamily="34" charset="0"/>
+                <a:ea typeface="Tahoma" panose="020B0604030504040204" pitchFamily="34" charset="0"/>
+                <a:cs typeface="Tahoma" panose="020B0604030504040204" pitchFamily="34" charset="0"/>
               </a:defRPr>
             </a:lvl1pPr>
           </a:lstStyle>
@@ -4931,7 +4855,6 @@
             <a:avLst/>
           </a:prstGeom>
           <a:noFill/>
-          <a:extLst/>
         </p:spPr>
         <p:txBody>
           <a:bodyPr wrap="square" lIns="90000" tIns="46800" rIns="90000" bIns="46800">
@@ -4954,9 +4877,9 @@
                     </a:prstClr>
                   </a:outerShdw>
                 </a:effectLst>
-                <a:latin typeface="Tahoma" pitchFamily="34" charset="0"/>
-                <a:ea typeface="Tahoma" pitchFamily="34" charset="0"/>
-                <a:cs typeface="Tahoma" pitchFamily="34" charset="0"/>
+                <a:latin typeface="Tahoma" panose="020B0604030504040204" pitchFamily="34" charset="0"/>
+                <a:ea typeface="Tahoma" panose="020B0604030504040204" pitchFamily="34" charset="0"/>
+                <a:cs typeface="Tahoma" panose="020B0604030504040204" pitchFamily="34" charset="0"/>
               </a:defRPr>
             </a:lvl1pPr>
           </a:lstStyle>
@@ -4993,7 +4916,6 @@
             <a:avLst/>
           </a:prstGeom>
           <a:noFill/>
-          <a:extLst/>
         </p:spPr>
         <p:txBody>
           <a:bodyPr wrap="square" lIns="90000" tIns="46800" rIns="90000" bIns="46800">
@@ -5016,9 +4938,9 @@
                     </a:prstClr>
                   </a:outerShdw>
                 </a:effectLst>
-                <a:latin typeface="Tahoma" pitchFamily="34" charset="0"/>
-                <a:ea typeface="Tahoma" pitchFamily="34" charset="0"/>
-                <a:cs typeface="Tahoma" pitchFamily="34" charset="0"/>
+                <a:latin typeface="Tahoma" panose="020B0604030504040204" pitchFamily="34" charset="0"/>
+                <a:ea typeface="Tahoma" panose="020B0604030504040204" pitchFamily="34" charset="0"/>
+                <a:cs typeface="Tahoma" panose="020B0604030504040204" pitchFamily="34" charset="0"/>
               </a:defRPr>
             </a:lvl1pPr>
           </a:lstStyle>
@@ -5039,22 +4961,17 @@
         </p:txBody>
       </p:sp>
     </p:spTree>
-    <p:extLst>
-      <p:ext uri="{BB962C8B-B14F-4D97-AF65-F5344CB8AC3E}">
-        <p14:creationId xmlns:p14="http://schemas.microsoft.com/office/powerpoint/2010/main" val="2431106096"/>
-      </p:ext>
-    </p:extLst>
   </p:cSld>
   <p:clrMapOvr>
     <a:masterClrMapping/>
   </p:clrMapOvr>
-  <mc:AlternateContent xmlns:mc="http://schemas.openxmlformats.org/markup-compatibility/2006" xmlns:p14="http://schemas.microsoft.com/office/powerpoint/2010/main">
-    <mc:Choice Requires="p14">
+  <mc:AlternateContent xmlns:mc="http://schemas.openxmlformats.org/markup-compatibility/2006">
+    <mc:Choice xmlns:p14="http://schemas.microsoft.com/office/powerpoint/2010/main" Requires="p14">
       <p:transition spd="slow" p14:dur="1200">
         <p14:prism/>
       </p:transition>
     </mc:Choice>
-    <mc:Fallback xmlns="">
+    <mc:Fallback>
       <p:transition spd="slow">
         <p:fade/>
       </p:transition>
@@ -5405,7 +5322,6 @@
             <a:avLst/>
           </a:prstGeom>
           <a:noFill/>
-          <a:extLst/>
         </p:spPr>
         <p:txBody>
           <a:bodyPr wrap="square" lIns="90000" tIns="46800" rIns="90000" bIns="46800">
@@ -5432,9 +5348,9 @@
                     </a:prstClr>
                   </a:outerShdw>
                 </a:effectLst>
-                <a:latin typeface="Tahoma" pitchFamily="34" charset="0"/>
-                <a:ea typeface="Tahoma" pitchFamily="34" charset="0"/>
-                <a:cs typeface="Tahoma" pitchFamily="34" charset="0"/>
+                <a:latin typeface="Tahoma" panose="020B0604030504040204" pitchFamily="34" charset="0"/>
+                <a:ea typeface="Tahoma" panose="020B0604030504040204" pitchFamily="34" charset="0"/>
+                <a:cs typeface="Tahoma" panose="020B0604030504040204" pitchFamily="34" charset="0"/>
               </a:defRPr>
             </a:lvl1pPr>
           </a:lstStyle>
@@ -5689,8 +5605,8 @@
                 </a:lstStyle>
                 <a:p>
                   <a:pPr algn="ctr"/>
-                  <a:endParaRPr lang="zh-CN" altLang="en-US" sz="1013" dirty="0">
-                    <a:ea typeface="微软雅黑" pitchFamily="34" charset="-122"/>
+                  <a:endParaRPr lang="zh-CN" altLang="en-US" sz="1015" dirty="0">
+                    <a:ea typeface="微软雅黑" panose="020B0503020204020204" pitchFamily="34" charset="-122"/>
                   </a:endParaRPr>
                 </a:p>
               </p:txBody>
@@ -5870,8 +5786,8 @@
                 </a:lstStyle>
                 <a:p>
                   <a:pPr algn="ctr"/>
-                  <a:endParaRPr lang="zh-CN" altLang="en-US" sz="1013" dirty="0">
-                    <a:ea typeface="微软雅黑" pitchFamily="34" charset="-122"/>
+                  <a:endParaRPr lang="zh-CN" altLang="en-US" sz="1015" dirty="0">
+                    <a:ea typeface="微软雅黑" panose="020B0503020204020204" pitchFamily="34" charset="-122"/>
                   </a:endParaRPr>
                 </a:p>
               </p:txBody>
@@ -6224,8 +6140,8 @@
                 </a:lstStyle>
                 <a:p>
                   <a:pPr algn="ctr"/>
-                  <a:endParaRPr lang="zh-CN" altLang="en-US" sz="1013" dirty="0">
-                    <a:ea typeface="微软雅黑" pitchFamily="34" charset="-122"/>
+                  <a:endParaRPr lang="zh-CN" altLang="en-US" sz="1015" dirty="0">
+                    <a:ea typeface="微软雅黑" panose="020B0503020204020204" pitchFamily="34" charset="-122"/>
                   </a:endParaRPr>
                 </a:p>
               </p:txBody>
@@ -6405,8 +6321,8 @@
                 </a:lstStyle>
                 <a:p>
                   <a:pPr algn="ctr"/>
-                  <a:endParaRPr lang="zh-CN" altLang="en-US" sz="1013" dirty="0">
-                    <a:ea typeface="微软雅黑" pitchFamily="34" charset="-122"/>
+                  <a:endParaRPr lang="zh-CN" altLang="en-US" sz="1015" dirty="0">
+                    <a:ea typeface="微软雅黑" panose="020B0503020204020204" pitchFamily="34" charset="-122"/>
                   </a:endParaRPr>
                 </a:p>
               </p:txBody>
@@ -6759,8 +6675,8 @@
                 </a:lstStyle>
                 <a:p>
                   <a:pPr algn="ctr"/>
-                  <a:endParaRPr lang="zh-CN" altLang="en-US" sz="1013" dirty="0">
-                    <a:ea typeface="微软雅黑" pitchFamily="34" charset="-122"/>
+                  <a:endParaRPr lang="zh-CN" altLang="en-US" sz="1015" dirty="0">
+                    <a:ea typeface="微软雅黑" panose="020B0503020204020204" pitchFamily="34" charset="-122"/>
                   </a:endParaRPr>
                 </a:p>
               </p:txBody>
@@ -6940,8 +6856,8 @@
                 </a:lstStyle>
                 <a:p>
                   <a:pPr algn="ctr"/>
-                  <a:endParaRPr lang="zh-CN" altLang="en-US" sz="1013" dirty="0">
-                    <a:ea typeface="微软雅黑" pitchFamily="34" charset="-122"/>
+                  <a:endParaRPr lang="zh-CN" altLang="en-US" sz="1015" dirty="0">
+                    <a:ea typeface="微软雅黑" panose="020B0503020204020204" pitchFamily="34" charset="-122"/>
                   </a:endParaRPr>
                 </a:p>
               </p:txBody>
@@ -7201,8 +7117,8 @@
                   <a:solidFill>
                     <a:schemeClr val="bg1"/>
                   </a:solidFill>
-                  <a:latin typeface="微软雅黑" pitchFamily="34" charset="-122"/>
-                  <a:ea typeface="微软雅黑" pitchFamily="34" charset="-122"/>
+                  <a:latin typeface="微软雅黑" panose="020B0503020204020204" pitchFamily="34" charset="-122"/>
+                  <a:ea typeface="微软雅黑" panose="020B0503020204020204" pitchFamily="34" charset="-122"/>
                 </a:rPr>
                 <a:t>更新频率低</a:t>
               </a:r>
@@ -7210,8 +7126,8 @@
                 <a:solidFill>
                   <a:schemeClr val="bg1"/>
                 </a:solidFill>
-                <a:latin typeface="微软雅黑" pitchFamily="34" charset="-122"/>
-                <a:ea typeface="微软雅黑" pitchFamily="34" charset="-122"/>
+                <a:latin typeface="微软雅黑" panose="020B0503020204020204" pitchFamily="34" charset="-122"/>
+                <a:ea typeface="微软雅黑" panose="020B0503020204020204" pitchFamily="34" charset="-122"/>
               </a:endParaRPr>
             </a:p>
           </p:txBody>
@@ -7337,8 +7253,8 @@
                   <a:solidFill>
                     <a:schemeClr val="bg1"/>
                   </a:solidFill>
-                  <a:latin typeface="微软雅黑" pitchFamily="34" charset="-122"/>
-                  <a:ea typeface="微软雅黑" pitchFamily="34" charset="-122"/>
+                  <a:latin typeface="微软雅黑" panose="020B0503020204020204" pitchFamily="34" charset="-122"/>
+                  <a:ea typeface="微软雅黑" panose="020B0503020204020204" pitchFamily="34" charset="-122"/>
                 </a:rPr>
                 <a:t>大小适中</a:t>
               </a:r>
@@ -7346,8 +7262,8 @@
                 <a:solidFill>
                   <a:schemeClr val="bg1"/>
                 </a:solidFill>
-                <a:latin typeface="微软雅黑" pitchFamily="34" charset="-122"/>
-                <a:ea typeface="微软雅黑" pitchFamily="34" charset="-122"/>
+                <a:latin typeface="微软雅黑" panose="020B0503020204020204" pitchFamily="34" charset="-122"/>
+                <a:ea typeface="微软雅黑" panose="020B0503020204020204" pitchFamily="34" charset="-122"/>
               </a:endParaRPr>
             </a:p>
           </p:txBody>
@@ -7473,8 +7389,8 @@
                   <a:solidFill>
                     <a:schemeClr val="bg1"/>
                   </a:solidFill>
-                  <a:latin typeface="微软雅黑" pitchFamily="34" charset="-122"/>
-                  <a:ea typeface="微软雅黑" pitchFamily="34" charset="-122"/>
+                  <a:latin typeface="微软雅黑" panose="020B0503020204020204" pitchFamily="34" charset="-122"/>
+                  <a:ea typeface="微软雅黑" panose="020B0503020204020204" pitchFamily="34" charset="-122"/>
                 </a:rPr>
                 <a:t>非关键性数据</a:t>
               </a:r>
@@ -7482,8 +7398,8 @@
                 <a:solidFill>
                   <a:schemeClr val="bg1"/>
                 </a:solidFill>
-                <a:latin typeface="微软雅黑" pitchFamily="34" charset="-122"/>
-                <a:ea typeface="微软雅黑" pitchFamily="34" charset="-122"/>
+                <a:latin typeface="微软雅黑" panose="020B0503020204020204" pitchFamily="34" charset="-122"/>
+                <a:ea typeface="微软雅黑" panose="020B0503020204020204" pitchFamily="34" charset="-122"/>
               </a:endParaRPr>
             </a:p>
           </p:txBody>
@@ -8685,22 +8601,17 @@
         </p:sp>
       </p:grpSp>
     </p:spTree>
-    <p:extLst>
-      <p:ext uri="{BB962C8B-B14F-4D97-AF65-F5344CB8AC3E}">
-        <p14:creationId xmlns:p14="http://schemas.microsoft.com/office/powerpoint/2010/main" val="2448364074"/>
-      </p:ext>
-    </p:extLst>
   </p:cSld>
   <p:clrMapOvr>
     <a:masterClrMapping/>
   </p:clrMapOvr>
-  <mc:AlternateContent xmlns:mc="http://schemas.openxmlformats.org/markup-compatibility/2006" xmlns:p14="http://schemas.microsoft.com/office/powerpoint/2010/main">
-    <mc:Choice Requires="p14">
+  <mc:AlternateContent xmlns:mc="http://schemas.openxmlformats.org/markup-compatibility/2006">
+    <mc:Choice xmlns:p14="http://schemas.microsoft.com/office/powerpoint/2010/main" Requires="p14">
       <p:transition spd="slow" p14:dur="1200">
         <p14:prism/>
       </p:transition>
     </mc:Choice>
-    <mc:Fallback xmlns="">
+    <mc:Fallback>
       <p:transition spd="slow">
         <p:fade/>
       </p:transition>
@@ -8958,7 +8869,6 @@
             <a:avLst/>
           </a:prstGeom>
           <a:noFill/>
-          <a:extLst/>
         </p:spPr>
         <p:txBody>
           <a:bodyPr wrap="square" lIns="90000" tIns="46800" rIns="90000" bIns="46800">
@@ -8985,9 +8895,9 @@
                     </a:prstClr>
                   </a:outerShdw>
                 </a:effectLst>
-                <a:latin typeface="Tahoma" pitchFamily="34" charset="0"/>
-                <a:ea typeface="Tahoma" pitchFamily="34" charset="0"/>
-                <a:cs typeface="Tahoma" pitchFamily="34" charset="0"/>
+                <a:latin typeface="Tahoma" panose="020B0604030504040204" pitchFamily="34" charset="0"/>
+                <a:ea typeface="Tahoma" panose="020B0604030504040204" pitchFamily="34" charset="0"/>
+                <a:cs typeface="Tahoma" panose="020B0604030504040204" pitchFamily="34" charset="0"/>
               </a:defRPr>
             </a:lvl1pPr>
           </a:lstStyle>
@@ -9235,8 +9145,8 @@
                 </a:lstStyle>
                 <a:p>
                   <a:pPr algn="ctr"/>
-                  <a:endParaRPr lang="zh-CN" altLang="en-US" sz="1013" dirty="0">
-                    <a:ea typeface="微软雅黑" pitchFamily="34" charset="-122"/>
+                  <a:endParaRPr lang="zh-CN" altLang="en-US" sz="1015" dirty="0">
+                    <a:ea typeface="微软雅黑" panose="020B0503020204020204" pitchFamily="34" charset="-122"/>
                   </a:endParaRPr>
                 </a:p>
               </p:txBody>
@@ -9416,8 +9326,8 @@
                 </a:lstStyle>
                 <a:p>
                   <a:pPr algn="ctr"/>
-                  <a:endParaRPr lang="zh-CN" altLang="en-US" sz="1013" dirty="0">
-                    <a:ea typeface="微软雅黑" pitchFamily="34" charset="-122"/>
+                  <a:endParaRPr lang="zh-CN" altLang="en-US" sz="1015" dirty="0">
+                    <a:ea typeface="微软雅黑" panose="020B0503020204020204" pitchFamily="34" charset="-122"/>
                   </a:endParaRPr>
                 </a:p>
               </p:txBody>
@@ -9770,8 +9680,8 @@
                 </a:lstStyle>
                 <a:p>
                   <a:pPr algn="ctr"/>
-                  <a:endParaRPr lang="zh-CN" altLang="en-US" sz="1013" dirty="0">
-                    <a:ea typeface="微软雅黑" pitchFamily="34" charset="-122"/>
+                  <a:endParaRPr lang="zh-CN" altLang="en-US" sz="1015" dirty="0">
+                    <a:ea typeface="微软雅黑" panose="020B0503020204020204" pitchFamily="34" charset="-122"/>
                   </a:endParaRPr>
                 </a:p>
               </p:txBody>
@@ -9951,8 +9861,8 @@
                 </a:lstStyle>
                 <a:p>
                   <a:pPr algn="ctr"/>
-                  <a:endParaRPr lang="zh-CN" altLang="en-US" sz="1013" dirty="0">
-                    <a:ea typeface="微软雅黑" pitchFamily="34" charset="-122"/>
+                  <a:endParaRPr lang="zh-CN" altLang="en-US" sz="1015" dirty="0">
+                    <a:ea typeface="微软雅黑" panose="020B0503020204020204" pitchFamily="34" charset="-122"/>
                   </a:endParaRPr>
                 </a:p>
               </p:txBody>
@@ -10305,8 +10215,8 @@
                 </a:lstStyle>
                 <a:p>
                   <a:pPr algn="ctr"/>
-                  <a:endParaRPr lang="zh-CN" altLang="en-US" sz="1013" dirty="0">
-                    <a:ea typeface="微软雅黑" pitchFamily="34" charset="-122"/>
+                  <a:endParaRPr lang="zh-CN" altLang="en-US" sz="1015" dirty="0">
+                    <a:ea typeface="微软雅黑" panose="020B0503020204020204" pitchFamily="34" charset="-122"/>
                   </a:endParaRPr>
                 </a:p>
               </p:txBody>
@@ -10486,8 +10396,8 @@
                 </a:lstStyle>
                 <a:p>
                   <a:pPr algn="ctr"/>
-                  <a:endParaRPr lang="zh-CN" altLang="en-US" sz="1013" dirty="0">
-                    <a:ea typeface="微软雅黑" pitchFamily="34" charset="-122"/>
+                  <a:endParaRPr lang="zh-CN" altLang="en-US" sz="1015" dirty="0">
+                    <a:ea typeface="微软雅黑" panose="020B0503020204020204" pitchFamily="34" charset="-122"/>
                   </a:endParaRPr>
                 </a:p>
               </p:txBody>
@@ -10747,8 +10657,8 @@
                   <a:solidFill>
                     <a:schemeClr val="bg1"/>
                   </a:solidFill>
-                  <a:latin typeface="微软雅黑" pitchFamily="34" charset="-122"/>
-                  <a:ea typeface="微软雅黑" pitchFamily="34" charset="-122"/>
+                  <a:latin typeface="微软雅黑" panose="020B0503020204020204" pitchFamily="34" charset="-122"/>
+                  <a:ea typeface="微软雅黑" panose="020B0503020204020204" pitchFamily="34" charset="-122"/>
                 </a:rPr>
                 <a:t>缓存穿透</a:t>
               </a:r>
@@ -10756,8 +10666,8 @@
                 <a:solidFill>
                   <a:schemeClr val="bg1"/>
                 </a:solidFill>
-                <a:latin typeface="微软雅黑" pitchFamily="34" charset="-122"/>
-                <a:ea typeface="微软雅黑" pitchFamily="34" charset="-122"/>
+                <a:latin typeface="微软雅黑" panose="020B0503020204020204" pitchFamily="34" charset="-122"/>
+                <a:ea typeface="微软雅黑" panose="020B0503020204020204" pitchFamily="34" charset="-122"/>
               </a:endParaRPr>
             </a:p>
           </p:txBody>
@@ -10883,8 +10793,8 @@
                   <a:solidFill>
                     <a:schemeClr val="bg1"/>
                   </a:solidFill>
-                  <a:latin typeface="微软雅黑" pitchFamily="34" charset="-122"/>
-                  <a:ea typeface="微软雅黑" pitchFamily="34" charset="-122"/>
+                  <a:latin typeface="微软雅黑" panose="020B0503020204020204" pitchFamily="34" charset="-122"/>
+                  <a:ea typeface="微软雅黑" panose="020B0503020204020204" pitchFamily="34" charset="-122"/>
                 </a:rPr>
                 <a:t>缓存并发</a:t>
               </a:r>
@@ -10892,8 +10802,8 @@
                 <a:solidFill>
                   <a:schemeClr val="bg1"/>
                 </a:solidFill>
-                <a:latin typeface="微软雅黑" pitchFamily="34" charset="-122"/>
-                <a:ea typeface="微软雅黑" pitchFamily="34" charset="-122"/>
+                <a:latin typeface="微软雅黑" panose="020B0503020204020204" pitchFamily="34" charset="-122"/>
+                <a:ea typeface="微软雅黑" panose="020B0503020204020204" pitchFamily="34" charset="-122"/>
               </a:endParaRPr>
             </a:p>
           </p:txBody>
@@ -10907,7 +10817,7 @@
           <p:spPr>
             <a:xfrm>
               <a:off x="2623474" y="3167731"/>
-              <a:ext cx="5411983" cy="410907"/>
+              <a:ext cx="5411983" cy="409925"/>
             </a:xfrm>
             <a:prstGeom prst="rect">
               <a:avLst/>
@@ -11019,17 +10929,17 @@
                   <a:solidFill>
                     <a:schemeClr val="bg1"/>
                   </a:solidFill>
-                  <a:latin typeface="微软雅黑" pitchFamily="34" charset="-122"/>
-                  <a:ea typeface="微软雅黑" pitchFamily="34" charset="-122"/>
+                  <a:latin typeface="微软雅黑" panose="020B0503020204020204" pitchFamily="34" charset="-122"/>
+                  <a:ea typeface="微软雅黑" panose="020B0503020204020204" pitchFamily="34" charset="-122"/>
                 </a:rPr>
-                <a:t>缓存失效</a:t>
+                <a:t>缓存雪崩</a:t>
               </a:r>
-              <a:endParaRPr lang="en-US" altLang="zh-CN" sz="2800" dirty="0">
+              <a:endParaRPr lang="zh-CN" altLang="en-US" sz="2800" dirty="0" smtClean="0">
                 <a:solidFill>
                   <a:schemeClr val="bg1"/>
                 </a:solidFill>
-                <a:latin typeface="微软雅黑" pitchFamily="34" charset="-122"/>
-                <a:ea typeface="微软雅黑" pitchFamily="34" charset="-122"/>
+                <a:latin typeface="微软雅黑" panose="020B0503020204020204" pitchFamily="34" charset="-122"/>
+                <a:ea typeface="微软雅黑" panose="020B0503020204020204" pitchFamily="34" charset="-122"/>
               </a:endParaRPr>
             </a:p>
           </p:txBody>
@@ -12231,22 +12141,17 @@
         </p:sp>
       </p:grpSp>
     </p:spTree>
-    <p:extLst>
-      <p:ext uri="{BB962C8B-B14F-4D97-AF65-F5344CB8AC3E}">
-        <p14:creationId xmlns:p14="http://schemas.microsoft.com/office/powerpoint/2010/main" val="2430065645"/>
-      </p:ext>
-    </p:extLst>
   </p:cSld>
   <p:clrMapOvr>
     <a:masterClrMapping/>
   </p:clrMapOvr>
-  <mc:AlternateContent xmlns:mc="http://schemas.openxmlformats.org/markup-compatibility/2006" xmlns:p14="http://schemas.microsoft.com/office/powerpoint/2010/main">
-    <mc:Choice Requires="p14">
+  <mc:AlternateContent xmlns:mc="http://schemas.openxmlformats.org/markup-compatibility/2006">
+    <mc:Choice xmlns:p14="http://schemas.microsoft.com/office/powerpoint/2010/main" Requires="p14">
       <p:transition spd="slow" p14:dur="1200">
         <p14:prism/>
       </p:transition>
     </mc:Choice>
-    <mc:Fallback xmlns="">
+    <mc:Fallback>
       <p:transition spd="slow">
         <p:fade/>
       </p:transition>
@@ -12534,8 +12439,8 @@
                   </a:glow>
                 </a:effectLst>
                 <a:latin typeface="Calibri" panose="020F0502020204030204" pitchFamily="34" charset="0"/>
-                <a:ea typeface="Tahoma" pitchFamily="34" charset="0"/>
-                <a:cs typeface="Tahoma" pitchFamily="34" charset="0"/>
+                <a:ea typeface="Tahoma" panose="020B0604030504040204" pitchFamily="34" charset="0"/>
+                <a:cs typeface="Tahoma" panose="020B0604030504040204" pitchFamily="34" charset="0"/>
               </a:rPr>
               <a:t>线程安全</a:t>
             </a:r>
@@ -12552,8 +12457,8 @@
                 </a:glow>
               </a:effectLst>
               <a:latin typeface="Calibri" panose="020F0502020204030204" pitchFamily="34" charset="0"/>
-              <a:ea typeface="Tahoma" pitchFamily="34" charset="0"/>
-              <a:cs typeface="Tahoma" pitchFamily="34" charset="0"/>
+              <a:ea typeface="Tahoma" panose="020B0604030504040204" pitchFamily="34" charset="0"/>
+              <a:cs typeface="Tahoma" panose="020B0604030504040204" pitchFamily="34" charset="0"/>
             </a:endParaRPr>
           </a:p>
         </p:txBody>
@@ -12605,8 +12510,8 @@
                   </a:glow>
                 </a:effectLst>
                 <a:latin typeface="Calibri" panose="020F0502020204030204" pitchFamily="34" charset="0"/>
-                <a:ea typeface="Tahoma" pitchFamily="34" charset="0"/>
-                <a:cs typeface="Tahoma" pitchFamily="34" charset="0"/>
+                <a:ea typeface="Tahoma" panose="020B0604030504040204" pitchFamily="34" charset="0"/>
+                <a:cs typeface="Tahoma" panose="020B0604030504040204" pitchFamily="34" charset="0"/>
               </a:rPr>
               <a:t>简单</a:t>
             </a:r>
@@ -12623,8 +12528,8 @@
                 </a:glow>
               </a:effectLst>
               <a:latin typeface="Calibri" panose="020F0502020204030204" pitchFamily="34" charset="0"/>
-              <a:ea typeface="Tahoma" pitchFamily="34" charset="0"/>
-              <a:cs typeface="Tahoma" pitchFamily="34" charset="0"/>
+              <a:ea typeface="Tahoma" panose="020B0604030504040204" pitchFamily="34" charset="0"/>
+              <a:cs typeface="Tahoma" panose="020B0604030504040204" pitchFamily="34" charset="0"/>
             </a:endParaRPr>
           </a:p>
         </p:txBody>
@@ -12684,8 +12589,8 @@
                   </a:glow>
                 </a:effectLst>
                 <a:latin typeface="Calibri" panose="020F0502020204030204" pitchFamily="34" charset="0"/>
-                <a:ea typeface="Tahoma" pitchFamily="34" charset="0"/>
-                <a:cs typeface="Tahoma" pitchFamily="34" charset="0"/>
+                <a:ea typeface="Tahoma" panose="020B0604030504040204" pitchFamily="34" charset="0"/>
+                <a:cs typeface="Tahoma" panose="020B0604030504040204" pitchFamily="34" charset="0"/>
               </a:rPr>
               <a:t>功能强大</a:t>
             </a:r>
@@ -12702,8 +12607,8 @@
                 </a:glow>
               </a:effectLst>
               <a:latin typeface="Calibri" panose="020F0502020204030204" pitchFamily="34" charset="0"/>
-              <a:ea typeface="Tahoma" pitchFamily="34" charset="0"/>
-              <a:cs typeface="Tahoma" pitchFamily="34" charset="0"/>
+              <a:ea typeface="Tahoma" panose="020B0604030504040204" pitchFamily="34" charset="0"/>
+              <a:cs typeface="Tahoma" panose="020B0604030504040204" pitchFamily="34" charset="0"/>
             </a:endParaRPr>
           </a:p>
         </p:txBody>
@@ -12755,8 +12660,8 @@
                   </a:glow>
                 </a:effectLst>
                 <a:latin typeface="Calibri" panose="020F0502020204030204" pitchFamily="34" charset="0"/>
-                <a:ea typeface="Tahoma" pitchFamily="34" charset="0"/>
-                <a:cs typeface="Tahoma" pitchFamily="34" charset="0"/>
+                <a:ea typeface="Tahoma" panose="020B0604030504040204" pitchFamily="34" charset="0"/>
+                <a:cs typeface="Tahoma" panose="020B0604030504040204" pitchFamily="34" charset="0"/>
               </a:rPr>
               <a:t>无清理</a:t>
             </a:r>
@@ -12774,8 +12679,8 @@
                   </a:glow>
                 </a:effectLst>
                 <a:latin typeface="Calibri" panose="020F0502020204030204" pitchFamily="34" charset="0"/>
-                <a:ea typeface="Tahoma" pitchFamily="34" charset="0"/>
-                <a:cs typeface="Tahoma" pitchFamily="34" charset="0"/>
+                <a:ea typeface="Tahoma" panose="020B0604030504040204" pitchFamily="34" charset="0"/>
+                <a:cs typeface="Tahoma" panose="020B0604030504040204" pitchFamily="34" charset="0"/>
               </a:rPr>
               <a:t>线程</a:t>
             </a:r>
@@ -12792,8 +12697,8 @@
                 </a:glow>
               </a:effectLst>
               <a:latin typeface="Calibri" panose="020F0502020204030204" pitchFamily="34" charset="0"/>
-              <a:ea typeface="Tahoma" pitchFamily="34" charset="0"/>
-              <a:cs typeface="Tahoma" pitchFamily="34" charset="0"/>
+              <a:ea typeface="Tahoma" panose="020B0604030504040204" pitchFamily="34" charset="0"/>
+              <a:cs typeface="Tahoma" panose="020B0604030504040204" pitchFamily="34" charset="0"/>
             </a:endParaRPr>
           </a:p>
         </p:txBody>
@@ -13929,11 +13834,7 @@
               </a:extLst>
             </p:spPr>
             <p:txBody>
-              <a:bodyPr vert="horz" wrap="square" lIns="91440" tIns="45720" rIns="91440" bIns="45720" numCol="1" anchor="t" anchorCtr="0" compatLnSpc="1">
-                <a:prstTxWarp prst="textNoShape">
-                  <a:avLst/>
-                </a:prstTxWarp>
-              </a:bodyPr>
+              <a:bodyPr vert="horz" wrap="square" lIns="91440" tIns="45720" rIns="91440" bIns="45720" numCol="1" anchor="t" anchorCtr="0" compatLnSpc="1"/>
               <a:lstStyle>
                 <a:defPPr>
                   <a:defRPr lang="zh-CN"/>
@@ -14949,18 +14850,12 @@
                       <a:srgbClr val="000000"/>
                     </a:solidFill>
                     <a:round/>
-                    <a:headEnd/>
-                    <a:tailEnd/>
                   </a14:hiddenLine>
                 </a:ext>
               </a:extLst>
             </p:spPr>
             <p:txBody>
-              <a:bodyPr vert="horz" wrap="square" lIns="91440" tIns="45720" rIns="91440" bIns="45720" numCol="1" anchor="t" anchorCtr="0" compatLnSpc="1">
-                <a:prstTxWarp prst="textNoShape">
-                  <a:avLst/>
-                </a:prstTxWarp>
-              </a:bodyPr>
+              <a:bodyPr vert="horz" wrap="square" lIns="91440" tIns="45720" rIns="91440" bIns="45720" numCol="1" anchor="t" anchorCtr="0" compatLnSpc="1"/>
               <a:lstStyle>
                 <a:defPPr>
                   <a:defRPr lang="zh-CN"/>
@@ -15090,18 +14985,12 @@
                       <a:srgbClr val="000000"/>
                     </a:solidFill>
                     <a:round/>
-                    <a:headEnd/>
-                    <a:tailEnd/>
                   </a14:hiddenLine>
                 </a:ext>
               </a:extLst>
             </p:spPr>
             <p:txBody>
-              <a:bodyPr vert="horz" wrap="square" lIns="91440" tIns="45720" rIns="91440" bIns="45720" numCol="1" anchor="t" anchorCtr="0" compatLnSpc="1">
-                <a:prstTxWarp prst="textNoShape">
-                  <a:avLst/>
-                </a:prstTxWarp>
-              </a:bodyPr>
+              <a:bodyPr vert="horz" wrap="square" lIns="91440" tIns="45720" rIns="91440" bIns="45720" numCol="1" anchor="t" anchorCtr="0" compatLnSpc="1"/>
               <a:lstStyle>
                 <a:defPPr>
                   <a:defRPr lang="zh-CN"/>
@@ -15221,7 +15110,6 @@
             <a:avLst/>
           </a:prstGeom>
           <a:noFill/>
-          <a:extLst/>
         </p:spPr>
         <p:txBody>
           <a:bodyPr wrap="square" lIns="90000" tIns="46800" rIns="90000" bIns="46800">
@@ -15248,9 +15136,9 @@
                     </a:prstClr>
                   </a:outerShdw>
                 </a:effectLst>
-                <a:latin typeface="Tahoma" pitchFamily="34" charset="0"/>
-                <a:ea typeface="Tahoma" pitchFamily="34" charset="0"/>
-                <a:cs typeface="Tahoma" pitchFamily="34" charset="0"/>
+                <a:latin typeface="Tahoma" panose="020B0604030504040204" pitchFamily="34" charset="0"/>
+                <a:ea typeface="Tahoma" panose="020B0604030504040204" pitchFamily="34" charset="0"/>
+                <a:cs typeface="Tahoma" panose="020B0604030504040204" pitchFamily="34" charset="0"/>
               </a:defRPr>
             </a:lvl1pPr>
           </a:lstStyle>
@@ -15277,22 +15165,17 @@
         </p:txBody>
       </p:sp>
     </p:spTree>
-    <p:extLst>
-      <p:ext uri="{BB962C8B-B14F-4D97-AF65-F5344CB8AC3E}">
-        <p14:creationId xmlns:p14="http://schemas.microsoft.com/office/powerpoint/2010/main" val="10790559"/>
-      </p:ext>
-    </p:extLst>
   </p:cSld>
   <p:clrMapOvr>
     <a:masterClrMapping/>
   </p:clrMapOvr>
-  <mc:AlternateContent xmlns:mc="http://schemas.openxmlformats.org/markup-compatibility/2006" xmlns:p14="http://schemas.microsoft.com/office/powerpoint/2010/main">
-    <mc:Choice Requires="p14">
+  <mc:AlternateContent xmlns:mc="http://schemas.openxmlformats.org/markup-compatibility/2006">
+    <mc:Choice xmlns:p14="http://schemas.microsoft.com/office/powerpoint/2010/main" Requires="p14">
       <p:transition spd="slow" p14:dur="1200">
         <p14:prism/>
       </p:transition>
     </mc:Choice>
-    <mc:Fallback xmlns="">
+    <mc:Fallback>
       <p:transition spd="slow">
         <p:fade/>
       </p:transition>
@@ -15877,8 +15760,8 @@
                 <a:solidFill>
                   <a:schemeClr val="bg1"/>
                 </a:solidFill>
-                <a:latin typeface="微软雅黑" pitchFamily="34" charset="-122"/>
-                <a:ea typeface="微软雅黑" pitchFamily="34" charset="-122"/>
+                <a:latin typeface="微软雅黑" panose="020B0503020204020204" pitchFamily="34" charset="-122"/>
+                <a:ea typeface="微软雅黑" panose="020B0503020204020204" pitchFamily="34" charset="-122"/>
               </a:rPr>
               <a:t>优点</a:t>
             </a:r>
@@ -15935,8 +15818,8 @@
                 <a:solidFill>
                   <a:schemeClr val="bg1"/>
                 </a:solidFill>
-                <a:latin typeface="微软雅黑" pitchFamily="34" charset="-122"/>
-                <a:ea typeface="微软雅黑" pitchFamily="34" charset="-122"/>
+                <a:latin typeface="微软雅黑" panose="020B0503020204020204" pitchFamily="34" charset="-122"/>
+                <a:ea typeface="微软雅黑" panose="020B0503020204020204" pitchFamily="34" charset="-122"/>
               </a:rPr>
               <a:t>基于容量回收</a:t>
             </a:r>
@@ -15944,8 +15827,8 @@
               <a:solidFill>
                 <a:schemeClr val="bg1"/>
               </a:solidFill>
-              <a:latin typeface="微软雅黑" pitchFamily="34" charset="-122"/>
-              <a:ea typeface="微软雅黑" pitchFamily="34" charset="-122"/>
+              <a:latin typeface="微软雅黑" panose="020B0503020204020204" pitchFamily="34" charset="-122"/>
+              <a:ea typeface="微软雅黑" panose="020B0503020204020204" pitchFamily="34" charset="-122"/>
             </a:endParaRPr>
           </a:p>
         </p:txBody>
@@ -15985,8 +15868,8 @@
                 <a:solidFill>
                   <a:schemeClr val="bg1"/>
                 </a:solidFill>
-                <a:latin typeface="微软雅黑" pitchFamily="34" charset="-122"/>
-                <a:ea typeface="微软雅黑" pitchFamily="34" charset="-122"/>
+                <a:latin typeface="微软雅黑" panose="020B0503020204020204" pitchFamily="34" charset="-122"/>
+                <a:ea typeface="微软雅黑" panose="020B0503020204020204" pitchFamily="34" charset="-122"/>
               </a:rPr>
               <a:t>定时回收</a:t>
             </a:r>
@@ -15994,8 +15877,8 @@
               <a:solidFill>
                 <a:schemeClr val="bg1"/>
               </a:solidFill>
-              <a:latin typeface="微软雅黑" pitchFamily="34" charset="-122"/>
-              <a:ea typeface="微软雅黑" pitchFamily="34" charset="-122"/>
+              <a:latin typeface="微软雅黑" panose="020B0503020204020204" pitchFamily="34" charset="-122"/>
+              <a:ea typeface="微软雅黑" panose="020B0503020204020204" pitchFamily="34" charset="-122"/>
             </a:endParaRPr>
           </a:p>
         </p:txBody>
@@ -16035,8 +15918,8 @@
                 <a:solidFill>
                   <a:schemeClr val="bg1"/>
                 </a:solidFill>
-                <a:latin typeface="微软雅黑" pitchFamily="34" charset="-122"/>
-                <a:ea typeface="微软雅黑" pitchFamily="34" charset="-122"/>
+                <a:latin typeface="微软雅黑" panose="020B0503020204020204" pitchFamily="34" charset="-122"/>
+                <a:ea typeface="微软雅黑" panose="020B0503020204020204" pitchFamily="34" charset="-122"/>
               </a:rPr>
               <a:t>支持移除监听</a:t>
             </a:r>
@@ -16044,8 +15927,8 @@
               <a:solidFill>
                 <a:schemeClr val="bg1"/>
               </a:solidFill>
-              <a:latin typeface="微软雅黑" pitchFamily="34" charset="-122"/>
-              <a:ea typeface="微软雅黑" pitchFamily="34" charset="-122"/>
+              <a:latin typeface="微软雅黑" panose="020B0503020204020204" pitchFamily="34" charset="-122"/>
+              <a:ea typeface="微软雅黑" panose="020B0503020204020204" pitchFamily="34" charset="-122"/>
             </a:endParaRPr>
           </a:p>
         </p:txBody>
@@ -16085,8 +15968,8 @@
                 <a:solidFill>
                   <a:schemeClr val="bg1"/>
                 </a:solidFill>
-                <a:latin typeface="微软雅黑" pitchFamily="34" charset="-122"/>
-                <a:ea typeface="微软雅黑" pitchFamily="34" charset="-122"/>
+                <a:latin typeface="微软雅黑" panose="020B0503020204020204" pitchFamily="34" charset="-122"/>
+                <a:ea typeface="微软雅黑" panose="020B0503020204020204" pitchFamily="34" charset="-122"/>
               </a:rPr>
               <a:t>提供统计</a:t>
             </a:r>
@@ -16094,8 +15977,8 @@
               <a:solidFill>
                 <a:schemeClr val="bg1"/>
               </a:solidFill>
-              <a:latin typeface="微软雅黑" pitchFamily="34" charset="-122"/>
-              <a:ea typeface="微软雅黑" pitchFamily="34" charset="-122"/>
+              <a:latin typeface="微软雅黑" panose="020B0503020204020204" pitchFamily="34" charset="-122"/>
+              <a:ea typeface="微软雅黑" panose="020B0503020204020204" pitchFamily="34" charset="-122"/>
             </a:endParaRPr>
           </a:p>
         </p:txBody>
@@ -16135,8 +16018,8 @@
                 <a:solidFill>
                   <a:schemeClr val="bg1"/>
                 </a:solidFill>
-                <a:latin typeface="微软雅黑" pitchFamily="34" charset="-122"/>
-                <a:ea typeface="微软雅黑" pitchFamily="34" charset="-122"/>
+                <a:latin typeface="微软雅黑" panose="020B0503020204020204" pitchFamily="34" charset="-122"/>
+                <a:ea typeface="微软雅黑" panose="020B0503020204020204" pitchFamily="34" charset="-122"/>
               </a:rPr>
               <a:t>基于引用回收</a:t>
             </a:r>
@@ -16144,8 +16027,8 @@
               <a:solidFill>
                 <a:schemeClr val="bg1"/>
               </a:solidFill>
-              <a:latin typeface="微软雅黑" pitchFamily="34" charset="-122"/>
-              <a:ea typeface="微软雅黑" pitchFamily="34" charset="-122"/>
+              <a:latin typeface="微软雅黑" panose="020B0503020204020204" pitchFamily="34" charset="-122"/>
+              <a:ea typeface="微软雅黑" panose="020B0503020204020204" pitchFamily="34" charset="-122"/>
             </a:endParaRPr>
           </a:p>
         </p:txBody>
@@ -16185,8 +16068,8 @@
                 <a:solidFill>
                   <a:schemeClr val="bg1"/>
                 </a:solidFill>
-                <a:latin typeface="微软雅黑" pitchFamily="34" charset="-122"/>
-                <a:ea typeface="微软雅黑" pitchFamily="34" charset="-122"/>
+                <a:latin typeface="微软雅黑" panose="020B0503020204020204" pitchFamily="34" charset="-122"/>
+                <a:ea typeface="微软雅黑" panose="020B0503020204020204" pitchFamily="34" charset="-122"/>
               </a:rPr>
               <a:t>超时机制不精确</a:t>
             </a:r>
@@ -16194,8 +16077,8 @@
               <a:solidFill>
                 <a:schemeClr val="bg1"/>
               </a:solidFill>
-              <a:latin typeface="微软雅黑" pitchFamily="34" charset="-122"/>
-              <a:ea typeface="微软雅黑" pitchFamily="34" charset="-122"/>
+              <a:latin typeface="微软雅黑" panose="020B0503020204020204" pitchFamily="34" charset="-122"/>
+              <a:ea typeface="微软雅黑" panose="020B0503020204020204" pitchFamily="34" charset="-122"/>
             </a:endParaRPr>
           </a:p>
         </p:txBody>
@@ -16235,8 +16118,8 @@
                 <a:solidFill>
                   <a:schemeClr val="bg1"/>
                 </a:solidFill>
-                <a:latin typeface="微软雅黑" pitchFamily="34" charset="-122"/>
-                <a:ea typeface="微软雅黑" pitchFamily="34" charset="-122"/>
+                <a:latin typeface="微软雅黑" panose="020B0503020204020204" pitchFamily="34" charset="-122"/>
+                <a:ea typeface="微软雅黑" panose="020B0503020204020204" pitchFamily="34" charset="-122"/>
               </a:rPr>
               <a:t>显示清除</a:t>
             </a:r>
@@ -16244,8 +16127,8 @@
               <a:solidFill>
                 <a:schemeClr val="bg1"/>
               </a:solidFill>
-              <a:latin typeface="微软雅黑" pitchFamily="34" charset="-122"/>
-              <a:ea typeface="微软雅黑" pitchFamily="34" charset="-122"/>
+              <a:latin typeface="微软雅黑" panose="020B0503020204020204" pitchFamily="34" charset="-122"/>
+              <a:ea typeface="微软雅黑" panose="020B0503020204020204" pitchFamily="34" charset="-122"/>
             </a:endParaRPr>
           </a:p>
         </p:txBody>
@@ -16267,7 +16150,6 @@
             <a:avLst/>
           </a:prstGeom>
           <a:noFill/>
-          <a:extLst/>
         </p:spPr>
         <p:txBody>
           <a:bodyPr wrap="square" lIns="90000" tIns="46800" rIns="90000" bIns="46800">
@@ -16294,9 +16176,9 @@
                     </a:prstClr>
                   </a:outerShdw>
                 </a:effectLst>
-                <a:latin typeface="Tahoma" pitchFamily="34" charset="0"/>
-                <a:ea typeface="Tahoma" pitchFamily="34" charset="0"/>
-                <a:cs typeface="Tahoma" pitchFamily="34" charset="0"/>
+                <a:latin typeface="Tahoma" panose="020B0604030504040204" pitchFamily="34" charset="0"/>
+                <a:ea typeface="Tahoma" panose="020B0604030504040204" pitchFamily="34" charset="0"/>
+                <a:cs typeface="Tahoma" panose="020B0604030504040204" pitchFamily="34" charset="0"/>
               </a:defRPr>
             </a:lvl1pPr>
           </a:lstStyle>
@@ -16325,9 +16207,7 @@
       <p:sp>
         <p:nvSpPr>
           <p:cNvPr id="13" name="原创设计师QQ69613753    _1"/>
-          <p:cNvSpPr>
-            <a:spLocks/>
-          </p:cNvSpPr>
+          <p:cNvSpPr/>
           <p:nvPr/>
         </p:nvSpPr>
         <p:spPr bwMode="auto">
@@ -16532,9 +16412,7 @@
       <p:sp>
         <p:nvSpPr>
           <p:cNvPr id="14" name="原创设计师QQ69613753    _2"/>
-          <p:cNvSpPr>
-            <a:spLocks/>
-          </p:cNvSpPr>
+          <p:cNvSpPr/>
           <p:nvPr/>
         </p:nvSpPr>
         <p:spPr bwMode="auto">
@@ -16888,6 +16766,14 @@
               </a:rPr>
               <a:t>S</a:t>
             </a:r>
+            <a:endParaRPr lang="zh-CN" altLang="zh-CN" sz="5400" b="1" dirty="0">
+              <a:solidFill>
+                <a:schemeClr val="bg1">
+                  <a:alpha val="80000"/>
+                </a:schemeClr>
+              </a:solidFill>
+              <a:latin typeface="+mj-lt"/>
+            </a:endParaRPr>
           </a:p>
         </p:txBody>
       </p:sp>
@@ -17043,6 +16929,14 @@
               </a:rPr>
               <a:t>W</a:t>
             </a:r>
+            <a:endParaRPr lang="zh-CN" altLang="zh-CN" sz="5400" b="1" dirty="0">
+              <a:solidFill>
+                <a:schemeClr val="bg1">
+                  <a:alpha val="80000"/>
+                </a:schemeClr>
+              </a:solidFill>
+              <a:latin typeface="+mj-lt"/>
+            </a:endParaRPr>
           </a:p>
         </p:txBody>
       </p:sp>
@@ -17081,8 +16975,8 @@
                 <a:solidFill>
                   <a:schemeClr val="bg1"/>
                 </a:solidFill>
-                <a:latin typeface="微软雅黑" pitchFamily="34" charset="-122"/>
-                <a:ea typeface="微软雅黑" pitchFamily="34" charset="-122"/>
+                <a:latin typeface="微软雅黑" panose="020B0503020204020204" pitchFamily="34" charset="-122"/>
+                <a:ea typeface="微软雅黑" panose="020B0503020204020204" pitchFamily="34" charset="-122"/>
               </a:rPr>
               <a:t>缺点</a:t>
             </a:r>
@@ -17337,22 +17231,17 @@
         </p:txBody>
       </p:sp>
     </p:spTree>
-    <p:extLst>
-      <p:ext uri="{BB962C8B-B14F-4D97-AF65-F5344CB8AC3E}">
-        <p14:creationId xmlns:p14="http://schemas.microsoft.com/office/powerpoint/2010/main" val="713809668"/>
-      </p:ext>
-    </p:extLst>
   </p:cSld>
   <p:clrMapOvr>
     <a:masterClrMapping/>
   </p:clrMapOvr>
-  <mc:AlternateContent xmlns:mc="http://schemas.openxmlformats.org/markup-compatibility/2006" xmlns:p14="http://schemas.microsoft.com/office/powerpoint/2010/main">
-    <mc:Choice Requires="p14">
+  <mc:AlternateContent xmlns:mc="http://schemas.openxmlformats.org/markup-compatibility/2006">
+    <mc:Choice xmlns:p14="http://schemas.microsoft.com/office/powerpoint/2010/main" Requires="p14">
       <p:transition spd="slow" p14:dur="1200">
         <p14:prism/>
       </p:transition>
     </mc:Choice>
-    <mc:Fallback xmlns="">
+    <mc:Fallback>
       <p:transition spd="slow">
         <p:fade/>
       </p:transition>
@@ -18417,7 +18306,6 @@
             <a:avLst/>
           </a:prstGeom>
           <a:noFill/>
-          <a:extLst/>
         </p:spPr>
         <p:txBody>
           <a:bodyPr wrap="square" lIns="90000" tIns="46800" rIns="90000" bIns="46800">
@@ -18440,9 +18328,9 @@
                     </a:prstClr>
                   </a:outerShdw>
                 </a:effectLst>
-                <a:latin typeface="Tahoma" pitchFamily="34" charset="0"/>
-                <a:ea typeface="Tahoma" pitchFamily="34" charset="0"/>
-                <a:cs typeface="Tahoma" pitchFamily="34" charset="0"/>
+                <a:latin typeface="Tahoma" panose="020B0604030504040204" pitchFamily="34" charset="0"/>
+                <a:ea typeface="Tahoma" panose="020B0604030504040204" pitchFamily="34" charset="0"/>
+                <a:cs typeface="Tahoma" panose="020B0604030504040204" pitchFamily="34" charset="0"/>
               </a:defRPr>
             </a:lvl1pPr>
           </a:lstStyle>
@@ -18454,6 +18342,10 @@
               </a:rPr>
               <a:t>Spring Cache</a:t>
             </a:r>
+            <a:endParaRPr lang="en-US" altLang="zh-CN" dirty="0">
+              <a:effectLst/>
+              <a:latin typeface="Calibri" panose="020F0502020204030204" pitchFamily="34" charset="0"/>
+            </a:endParaRPr>
           </a:p>
         </p:txBody>
       </p:sp>
@@ -18492,8 +18384,8 @@
                 <a:solidFill>
                   <a:schemeClr val="bg1"/>
                 </a:solidFill>
-                <a:latin typeface="微软雅黑" pitchFamily="34" charset="-122"/>
-                <a:ea typeface="微软雅黑" pitchFamily="34" charset="-122"/>
+                <a:latin typeface="微软雅黑" panose="020B0503020204020204" pitchFamily="34" charset="-122"/>
+                <a:ea typeface="微软雅黑" panose="020B0503020204020204" pitchFamily="34" charset="-122"/>
               </a:rPr>
               <a:t>@Cacheable (value=“”,  key =“”,  condition=“”,  unless=“”,  sync=true)</a:t>
             </a:r>
@@ -18501,8 +18393,8 @@
               <a:solidFill>
                 <a:schemeClr val="bg1"/>
               </a:solidFill>
-              <a:latin typeface="微软雅黑" pitchFamily="34" charset="-122"/>
-              <a:ea typeface="微软雅黑" pitchFamily="34" charset="-122"/>
+              <a:latin typeface="微软雅黑" panose="020B0503020204020204" pitchFamily="34" charset="-122"/>
+              <a:ea typeface="微软雅黑" panose="020B0503020204020204" pitchFamily="34" charset="-122"/>
             </a:endParaRPr>
           </a:p>
         </p:txBody>
@@ -18542,8 +18434,8 @@
                 <a:solidFill>
                   <a:schemeClr val="bg1"/>
                 </a:solidFill>
-                <a:latin typeface="微软雅黑" pitchFamily="34" charset="-122"/>
-                <a:ea typeface="微软雅黑" pitchFamily="34" charset="-122"/>
+                <a:latin typeface="微软雅黑" panose="020B0503020204020204" pitchFamily="34" charset="-122"/>
+                <a:ea typeface="微软雅黑" panose="020B0503020204020204" pitchFamily="34" charset="-122"/>
               </a:rPr>
               <a:t>@</a:t>
             </a:r>
@@ -18552,8 +18444,8 @@
                 <a:solidFill>
                   <a:schemeClr val="bg1"/>
                 </a:solidFill>
-                <a:latin typeface="微软雅黑" pitchFamily="34" charset="-122"/>
-                <a:ea typeface="微软雅黑" pitchFamily="34" charset="-122"/>
+                <a:latin typeface="微软雅黑" panose="020B0503020204020204" pitchFamily="34" charset="-122"/>
+                <a:ea typeface="微软雅黑" panose="020B0503020204020204" pitchFamily="34" charset="-122"/>
               </a:rPr>
               <a:t>CacheEvict</a:t>
             </a:r>
@@ -18562,8 +18454,8 @@
                 <a:solidFill>
                   <a:schemeClr val="bg1"/>
                 </a:solidFill>
-                <a:latin typeface="微软雅黑" pitchFamily="34" charset="-122"/>
-                <a:ea typeface="微软雅黑" pitchFamily="34" charset="-122"/>
+                <a:latin typeface="微软雅黑" panose="020B0503020204020204" pitchFamily="34" charset="-122"/>
+                <a:ea typeface="微软雅黑" panose="020B0503020204020204" pitchFamily="34" charset="-122"/>
               </a:rPr>
               <a:t>(value=“”,  key =“”,  condition=“”,  </a:t>
             </a:r>
@@ -18572,8 +18464,8 @@
                 <a:solidFill>
                   <a:schemeClr val="bg1"/>
                 </a:solidFill>
-                <a:latin typeface="微软雅黑" pitchFamily="34" charset="-122"/>
-                <a:ea typeface="微软雅黑" pitchFamily="34" charset="-122"/>
+                <a:latin typeface="微软雅黑" panose="020B0503020204020204" pitchFamily="34" charset="-122"/>
+                <a:ea typeface="微软雅黑" panose="020B0503020204020204" pitchFamily="34" charset="-122"/>
               </a:rPr>
               <a:t>allEntries</a:t>
             </a:r>
@@ -18582,8 +18474,8 @@
                 <a:solidFill>
                   <a:schemeClr val="bg1"/>
                 </a:solidFill>
-                <a:latin typeface="微软雅黑" pitchFamily="34" charset="-122"/>
-                <a:ea typeface="微软雅黑" pitchFamily="34" charset="-122"/>
+                <a:latin typeface="微软雅黑" panose="020B0503020204020204" pitchFamily="34" charset="-122"/>
+                <a:ea typeface="微软雅黑" panose="020B0503020204020204" pitchFamily="34" charset="-122"/>
               </a:rPr>
               <a:t>=true, </a:t>
             </a:r>
@@ -18592,8 +18484,8 @@
                 <a:solidFill>
                   <a:schemeClr val="bg1"/>
                 </a:solidFill>
-                <a:latin typeface="微软雅黑" pitchFamily="34" charset="-122"/>
-                <a:ea typeface="微软雅黑" pitchFamily="34" charset="-122"/>
+                <a:latin typeface="微软雅黑" panose="020B0503020204020204" pitchFamily="34" charset="-122"/>
+                <a:ea typeface="微软雅黑" panose="020B0503020204020204" pitchFamily="34" charset="-122"/>
               </a:rPr>
               <a:t>beforeInvocation</a:t>
             </a:r>
@@ -18602,8 +18494,8 @@
                 <a:solidFill>
                   <a:schemeClr val="bg1"/>
                 </a:solidFill>
-                <a:latin typeface="微软雅黑" pitchFamily="34" charset="-122"/>
-                <a:ea typeface="微软雅黑" pitchFamily="34" charset="-122"/>
+                <a:latin typeface="微软雅黑" panose="020B0503020204020204" pitchFamily="34" charset="-122"/>
+                <a:ea typeface="微软雅黑" panose="020B0503020204020204" pitchFamily="34" charset="-122"/>
               </a:rPr>
               <a:t> = true)</a:t>
             </a:r>
@@ -18611,8 +18503,8 @@
               <a:solidFill>
                 <a:schemeClr val="bg1"/>
               </a:solidFill>
-              <a:latin typeface="微软雅黑" pitchFamily="34" charset="-122"/>
-              <a:ea typeface="微软雅黑" pitchFamily="34" charset="-122"/>
+              <a:latin typeface="微软雅黑" panose="020B0503020204020204" pitchFamily="34" charset="-122"/>
+              <a:ea typeface="微软雅黑" panose="020B0503020204020204" pitchFamily="34" charset="-122"/>
             </a:endParaRPr>
           </a:p>
         </p:txBody>
@@ -18652,8 +18544,8 @@
                 <a:solidFill>
                   <a:schemeClr val="bg1"/>
                 </a:solidFill>
-                <a:latin typeface="微软雅黑" pitchFamily="34" charset="-122"/>
-                <a:ea typeface="微软雅黑" pitchFamily="34" charset="-122"/>
+                <a:latin typeface="微软雅黑" panose="020B0503020204020204" pitchFamily="34" charset="-122"/>
+                <a:ea typeface="微软雅黑" panose="020B0503020204020204" pitchFamily="34" charset="-122"/>
               </a:rPr>
               <a:t>@</a:t>
             </a:r>
@@ -18662,8 +18554,8 @@
                 <a:solidFill>
                   <a:schemeClr val="bg1"/>
                 </a:solidFill>
-                <a:latin typeface="微软雅黑" pitchFamily="34" charset="-122"/>
-                <a:ea typeface="微软雅黑" pitchFamily="34" charset="-122"/>
+                <a:latin typeface="微软雅黑" panose="020B0503020204020204" pitchFamily="34" charset="-122"/>
+                <a:ea typeface="微软雅黑" panose="020B0503020204020204" pitchFamily="34" charset="-122"/>
               </a:rPr>
               <a:t>CachePut</a:t>
             </a:r>
@@ -18672,28 +18564,18 @@
                 <a:solidFill>
                   <a:schemeClr val="bg1"/>
                 </a:solidFill>
-                <a:latin typeface="微软雅黑" pitchFamily="34" charset="-122"/>
-                <a:ea typeface="微软雅黑" pitchFamily="34" charset="-122"/>
+                <a:latin typeface="微软雅黑" panose="020B0503020204020204" pitchFamily="34" charset="-122"/>
+                <a:ea typeface="微软雅黑" panose="020B0503020204020204" pitchFamily="34" charset="-122"/>
               </a:rPr>
-              <a:t>(value=“”,  key =“”,  condition=“</a:t>
-            </a:r>
-            <a:r>
-              <a:rPr lang="en-US" altLang="zh-CN" sz="1600" dirty="0" smtClean="0">
-                <a:solidFill>
-                  <a:schemeClr val="bg1"/>
-                </a:solidFill>
-                <a:latin typeface="微软雅黑" pitchFamily="34" charset="-122"/>
-                <a:ea typeface="微软雅黑" pitchFamily="34" charset="-122"/>
-              </a:rPr>
-              <a:t>”</a:t>
+              <a:t>(value=“”,  key =“”,  condition=“”</a:t>
             </a:r>
             <a:r>
               <a:rPr lang="zh-CN" altLang="en-US" sz="1600" dirty="0" smtClean="0">
                 <a:solidFill>
                   <a:schemeClr val="bg1"/>
                 </a:solidFill>
-                <a:latin typeface="微软雅黑" pitchFamily="34" charset="-122"/>
-                <a:ea typeface="微软雅黑" pitchFamily="34" charset="-122"/>
+                <a:latin typeface="微软雅黑" panose="020B0503020204020204" pitchFamily="34" charset="-122"/>
+                <a:ea typeface="微软雅黑" panose="020B0503020204020204" pitchFamily="34" charset="-122"/>
               </a:rPr>
               <a:t>，</a:t>
             </a:r>
@@ -18702,37 +18584,17 @@
                 <a:solidFill>
                   <a:schemeClr val="bg1"/>
                 </a:solidFill>
-                <a:latin typeface="微软雅黑" pitchFamily="34" charset="-122"/>
-                <a:ea typeface="微软雅黑" pitchFamily="34" charset="-122"/>
+                <a:latin typeface="微软雅黑" panose="020B0503020204020204" pitchFamily="34" charset="-122"/>
+                <a:ea typeface="微软雅黑" panose="020B0503020204020204" pitchFamily="34" charset="-122"/>
               </a:rPr>
-              <a:t>unless</a:t>
-            </a:r>
-            <a:r>
-              <a:rPr lang="en-US" altLang="zh-CN" sz="1600" dirty="0" smtClean="0">
-                <a:solidFill>
-                  <a:schemeClr val="bg1"/>
-                </a:solidFill>
-                <a:latin typeface="微软雅黑" pitchFamily="34" charset="-122"/>
-                <a:ea typeface="微软雅黑" pitchFamily="34" charset="-122"/>
-              </a:rPr>
-              <a:t>=“”</a:t>
-            </a:r>
-            <a:r>
-              <a:rPr lang="en-US" altLang="zh-CN" sz="1600" dirty="0" smtClean="0">
-                <a:solidFill>
-                  <a:schemeClr val="bg1"/>
-                </a:solidFill>
-                <a:latin typeface="微软雅黑" pitchFamily="34" charset="-122"/>
-                <a:ea typeface="微软雅黑" pitchFamily="34" charset="-122"/>
-              </a:rPr>
-              <a:t>)</a:t>
+              <a:t>unless=“”)</a:t>
             </a:r>
             <a:endParaRPr lang="en-US" altLang="ko-KR" sz="1600" dirty="0">
               <a:solidFill>
                 <a:schemeClr val="bg1"/>
               </a:solidFill>
-              <a:latin typeface="微软雅黑" pitchFamily="34" charset="-122"/>
-              <a:ea typeface="微软雅黑" pitchFamily="34" charset="-122"/>
+              <a:latin typeface="微软雅黑" panose="020B0503020204020204" pitchFamily="34" charset="-122"/>
+              <a:ea typeface="微软雅黑" panose="020B0503020204020204" pitchFamily="34" charset="-122"/>
             </a:endParaRPr>
           </a:p>
         </p:txBody>
@@ -18772,8 +18634,8 @@
                 <a:solidFill>
                   <a:schemeClr val="bg1"/>
                 </a:solidFill>
-                <a:latin typeface="微软雅黑" pitchFamily="34" charset="-122"/>
-                <a:ea typeface="微软雅黑" pitchFamily="34" charset="-122"/>
+                <a:latin typeface="微软雅黑" panose="020B0503020204020204" pitchFamily="34" charset="-122"/>
+                <a:ea typeface="微软雅黑" panose="020B0503020204020204" pitchFamily="34" charset="-122"/>
               </a:rPr>
               <a:t>@Caching(cacheable=@</a:t>
             </a:r>
@@ -18782,8 +18644,8 @@
                 <a:solidFill>
                   <a:schemeClr val="bg1"/>
                 </a:solidFill>
-                <a:latin typeface="微软雅黑" pitchFamily="34" charset="-122"/>
-                <a:ea typeface="微软雅黑" pitchFamily="34" charset="-122"/>
+                <a:latin typeface="微软雅黑" panose="020B0503020204020204" pitchFamily="34" charset="-122"/>
+                <a:ea typeface="微软雅黑" panose="020B0503020204020204" pitchFamily="34" charset="-122"/>
               </a:rPr>
               <a:t>Cachable</a:t>
             </a:r>
@@ -18792,8 +18654,8 @@
                 <a:solidFill>
                   <a:schemeClr val="bg1"/>
                 </a:solidFill>
-                <a:latin typeface="微软雅黑" pitchFamily="34" charset="-122"/>
-                <a:ea typeface="微软雅黑" pitchFamily="34" charset="-122"/>
+                <a:latin typeface="微软雅黑" panose="020B0503020204020204" pitchFamily="34" charset="-122"/>
+                <a:ea typeface="微软雅黑" panose="020B0503020204020204" pitchFamily="34" charset="-122"/>
               </a:rPr>
               <a:t>(...), </a:t>
             </a:r>
@@ -18802,8 +18664,8 @@
                 <a:solidFill>
                   <a:schemeClr val="bg1"/>
                 </a:solidFill>
-                <a:latin typeface="微软雅黑" pitchFamily="34" charset="-122"/>
-                <a:ea typeface="微软雅黑" pitchFamily="34" charset="-122"/>
+                <a:latin typeface="微软雅黑" panose="020B0503020204020204" pitchFamily="34" charset="-122"/>
+                <a:ea typeface="微软雅黑" panose="020B0503020204020204" pitchFamily="34" charset="-122"/>
               </a:rPr>
               <a:t>cacheEvict</a:t>
             </a:r>
@@ -18812,8 +18674,8 @@
                 <a:solidFill>
                   <a:schemeClr val="bg1"/>
                 </a:solidFill>
-                <a:latin typeface="微软雅黑" pitchFamily="34" charset="-122"/>
-                <a:ea typeface="微软雅黑" pitchFamily="34" charset="-122"/>
+                <a:latin typeface="微软雅黑" panose="020B0503020204020204" pitchFamily="34" charset="-122"/>
+                <a:ea typeface="微软雅黑" panose="020B0503020204020204" pitchFamily="34" charset="-122"/>
               </a:rPr>
               <a:t>=@</a:t>
             </a:r>
@@ -18822,8 +18684,8 @@
                 <a:solidFill>
                   <a:schemeClr val="bg1"/>
                 </a:solidFill>
-                <a:latin typeface="微软雅黑" pitchFamily="34" charset="-122"/>
-                <a:ea typeface="微软雅黑" pitchFamily="34" charset="-122"/>
+                <a:latin typeface="微软雅黑" panose="020B0503020204020204" pitchFamily="34" charset="-122"/>
+                <a:ea typeface="微软雅黑" panose="020B0503020204020204" pitchFamily="34" charset="-122"/>
               </a:rPr>
               <a:t>CacheEvict</a:t>
             </a:r>
@@ -18832,8 +18694,8 @@
                 <a:solidFill>
                   <a:schemeClr val="bg1"/>
                 </a:solidFill>
-                <a:latin typeface="微软雅黑" pitchFamily="34" charset="-122"/>
-                <a:ea typeface="微软雅黑" pitchFamily="34" charset="-122"/>
+                <a:latin typeface="微软雅黑" panose="020B0503020204020204" pitchFamily="34" charset="-122"/>
+                <a:ea typeface="微软雅黑" panose="020B0503020204020204" pitchFamily="34" charset="-122"/>
               </a:rPr>
               <a:t>(...))</a:t>
             </a:r>
@@ -18841,29 +18703,24 @@
               <a:solidFill>
                 <a:schemeClr val="bg1"/>
               </a:solidFill>
-              <a:latin typeface="微软雅黑" pitchFamily="34" charset="-122"/>
-              <a:ea typeface="微软雅黑" pitchFamily="34" charset="-122"/>
+              <a:latin typeface="微软雅黑" panose="020B0503020204020204" pitchFamily="34" charset="-122"/>
+              <a:ea typeface="微软雅黑" panose="020B0503020204020204" pitchFamily="34" charset="-122"/>
             </a:endParaRPr>
           </a:p>
         </p:txBody>
       </p:sp>
     </p:spTree>
-    <p:extLst>
-      <p:ext uri="{BB962C8B-B14F-4D97-AF65-F5344CB8AC3E}">
-        <p14:creationId xmlns:p14="http://schemas.microsoft.com/office/powerpoint/2010/main" val="3046359889"/>
-      </p:ext>
-    </p:extLst>
   </p:cSld>
   <p:clrMapOvr>
     <a:masterClrMapping/>
   </p:clrMapOvr>
-  <mc:AlternateContent xmlns:mc="http://schemas.openxmlformats.org/markup-compatibility/2006" xmlns:p14="http://schemas.microsoft.com/office/powerpoint/2010/main">
-    <mc:Choice Requires="p14">
+  <mc:AlternateContent xmlns:mc="http://schemas.openxmlformats.org/markup-compatibility/2006">
+    <mc:Choice xmlns:p14="http://schemas.microsoft.com/office/powerpoint/2010/main" Requires="p14">
       <p:transition spd="slow" p14:dur="1200">
         <p14:prism/>
       </p:transition>
     </mc:Choice>
-    <mc:Fallback xmlns="">
+    <mc:Fallback>
       <p:transition spd="slow">
         <p:fade/>
       </p:transition>
@@ -19330,13 +19187,7 @@
           <p:nvPr/>
         </p:nvPicPr>
         <p:blipFill>
-          <a:blip r:embed="rId3">
-            <a:extLst>
-              <a:ext uri="{28A0092B-C50C-407E-A947-70E740481C1C}">
-                <a14:useLocalDpi xmlns:a14="http://schemas.microsoft.com/office/drawing/2010/main"/>
-              </a:ext>
-            </a:extLst>
-          </a:blip>
+          <a:blip r:embed="rId1"/>
           <a:stretch>
             <a:fillRect/>
           </a:stretch>
@@ -19410,6 +19261,26 @@
                 </a:rPr>
                 <a:t>谢谢</a:t>
               </a:r>
+              <a:endParaRPr lang="zh-CN" altLang="en-US" sz="6600" spc="300" dirty="0">
+                <a:gradFill flip="none" rotWithShape="1">
+                  <a:gsLst>
+                    <a:gs pos="60000">
+                      <a:srgbClr val="B6C6DD"/>
+                    </a:gs>
+                    <a:gs pos="23000">
+                      <a:schemeClr val="bg1"/>
+                    </a:gs>
+                    <a:gs pos="100000">
+                      <a:srgbClr val="425C8F"/>
+                    </a:gs>
+                  </a:gsLst>
+                  <a:lin ang="2700000" scaled="1"/>
+                  <a:tileRect/>
+                </a:gradFill>
+                <a:latin typeface="+mj-ea"/>
+                <a:ea typeface="+mj-ea"/>
+                <a:cs typeface="方正兰亭细黑_GBK_M" panose="02010600010101010101" pitchFamily="2" charset="2"/>
+              </a:endParaRPr>
             </a:p>
           </p:txBody>
         </p:sp>
@@ -19465,22 +19336,17 @@
         </p:cxnSp>
       </p:grpSp>
     </p:spTree>
-    <p:extLst>
-      <p:ext uri="{BB962C8B-B14F-4D97-AF65-F5344CB8AC3E}">
-        <p14:creationId xmlns:p14="http://schemas.microsoft.com/office/powerpoint/2010/main" val="1574673411"/>
-      </p:ext>
-    </p:extLst>
   </p:cSld>
   <p:clrMapOvr>
     <a:masterClrMapping/>
   </p:clrMapOvr>
-  <mc:AlternateContent xmlns:mc="http://schemas.openxmlformats.org/markup-compatibility/2006" xmlns:p14="http://schemas.microsoft.com/office/powerpoint/2010/main">
-    <mc:Choice Requires="p14">
+  <mc:AlternateContent xmlns:mc="http://schemas.openxmlformats.org/markup-compatibility/2006">
+    <mc:Choice xmlns:p14="http://schemas.microsoft.com/office/powerpoint/2010/main" Requires="p14">
       <p:transition spd="slow" p14:dur="1200">
         <p14:prism/>
       </p:transition>
     </mc:Choice>
-    <mc:Fallback xmlns="">
+    <mc:Fallback>
       <p:transition spd="slow">
         <p:fade/>
       </p:transition>
@@ -19621,12 +19487,6 @@
 </p:sld>
 </file>
 
-<file path=ppt/tags/tag1.xml><?xml version="1.0" encoding="utf-8"?>
-<p:tagLst xmlns:a="http://schemas.openxmlformats.org/drawingml/2006/main" xmlns:r="http://schemas.openxmlformats.org/officeDocument/2006/relationships" xmlns:p="http://schemas.openxmlformats.org/presentationml/2006/main">
-  <p:tag name="ISPRING_PRESENTATION_TITLE" val="渐变星空互联网科技模板"/>
-</p:tagLst>
-</file>
-
 <file path=ppt/theme/theme1.xml><?xml version="1.0" encoding="utf-8"?>
 <a:theme xmlns:a="http://schemas.openxmlformats.org/drawingml/2006/main" name="第一PPT，www.1ppt.com">
   <a:themeElements>
@@ -19670,7 +19530,7 @@
     </a:clrScheme>
     <a:fontScheme name="Office">
       <a:majorFont>
-        <a:latin typeface="等线 Light" panose="020F0302020204030204"/>
+        <a:latin typeface="等线 Light"/>
         <a:ea typeface=""/>
         <a:cs typeface=""/>
         <a:font script="Jpan" typeface="游ゴシック Light"/>
@@ -19705,7 +19565,7 @@
         <a:font script="Geor" typeface="Sylfaen"/>
       </a:majorFont>
       <a:minorFont>
-        <a:latin typeface="等线" panose="020F0502020204030204"/>
+        <a:latin typeface="等线"/>
         <a:ea typeface=""/>
         <a:cs typeface=""/>
         <a:font script="Jpan" typeface="游ゴシック"/>
@@ -19878,8 +19738,6 @@
       </a:bgFillStyleLst>
     </a:fmtScheme>
   </a:themeElements>
-  <a:objectDefaults/>
-  <a:extraClrSchemeLst/>
   <a:extLst>
     <a:ext uri="{05A4C25C-085E-4340-85A3-A5531E510DB2}">
       <thm15:themeFamily xmlns:thm15="http://schemas.microsoft.com/office/thememl/2012/main" name="Office Theme" id="{62F939B6-93AF-4DB8-9C6B-D6C7DFDC589F}" vid="{4A3C46E8-61CC-4603-A589-7422A47A8E4A}"/>
@@ -19931,7 +19789,7 @@
     </a:clrScheme>
     <a:fontScheme name="Office">
       <a:majorFont>
-        <a:latin typeface="等线 Light" panose="020F0302020204030204"/>
+        <a:latin typeface="等线 Light"/>
         <a:ea typeface=""/>
         <a:cs typeface=""/>
         <a:font script="Jpan" typeface="游ゴシック Light"/>
@@ -19966,7 +19824,7 @@
         <a:font script="Geor" typeface="Sylfaen"/>
       </a:majorFont>
       <a:minorFont>
-        <a:latin typeface="等线" panose="020F0502020204030204"/>
+        <a:latin typeface="等线"/>
         <a:ea typeface=""/>
         <a:cs typeface=""/>
         <a:font script="Jpan" typeface="游ゴシック"/>
@@ -20139,8 +19997,6 @@
       </a:bgFillStyleLst>
     </a:fmtScheme>
   </a:themeElements>
-  <a:objectDefaults/>
-  <a:extraClrSchemeLst/>
   <a:extLst>
     <a:ext uri="{05A4C25C-085E-4340-85A3-A5531E510DB2}">
       <thm15:themeFamily xmlns:thm15="http://schemas.microsoft.com/office/thememl/2012/main" name="Office Theme" id="{62F939B6-93AF-4DB8-9C6B-D6C7DFDC589F}" vid="{4A3C46E8-61CC-4603-A589-7422A47A8E4A}"/>

--- a/doc/Cache.pptx
+++ b/doc/Cache.pptx
@@ -5,17 +5,19 @@
     <p:sldMasterId id="2147483648" r:id="rId1"/>
   </p:sldMasterIdLst>
   <p:notesMasterIdLst>
-    <p:notesMasterId r:id="rId4"/>
+    <p:notesMasterId r:id="rId5"/>
   </p:notesMasterIdLst>
   <p:sldIdLst>
-    <p:sldId id="256" r:id="rId3"/>
-    <p:sldId id="283" r:id="rId5"/>
-    <p:sldId id="263" r:id="rId6"/>
-    <p:sldId id="284" r:id="rId7"/>
-    <p:sldId id="285" r:id="rId8"/>
-    <p:sldId id="286" r:id="rId9"/>
-    <p:sldId id="287" r:id="rId10"/>
-    <p:sldId id="281" r:id="rId11"/>
+    <p:sldId id="290" r:id="rId3"/>
+    <p:sldId id="256" r:id="rId4"/>
+    <p:sldId id="283" r:id="rId6"/>
+    <p:sldId id="263" r:id="rId7"/>
+    <p:sldId id="284" r:id="rId8"/>
+    <p:sldId id="285" r:id="rId9"/>
+    <p:sldId id="286" r:id="rId10"/>
+    <p:sldId id="287" r:id="rId11"/>
+    <p:sldId id="281" r:id="rId12"/>
+    <p:sldId id="291" r:id="rId13"/>
   </p:sldIdLst>
   <p:sldSz cx="12192000" cy="6858000"/>
   <p:notesSz cx="6858000" cy="9144000"/>
@@ -4445,6 +4447,106 @@
 <file path=ppt/slides/slide1.xml><?xml version="1.0" encoding="utf-8"?>
 <p:sld xmlns:a="http://schemas.openxmlformats.org/drawingml/2006/main" xmlns:r="http://schemas.openxmlformats.org/officeDocument/2006/relationships" xmlns:p="http://schemas.openxmlformats.org/presentationml/2006/main">
   <p:cSld>
+    <p:bg>
+      <p:bgPr>
+        <a:solidFill>
+          <a:schemeClr val="bg1"/>
+        </a:solidFill>
+        <a:effectLst/>
+      </p:bgPr>
+    </p:bg>
+    <p:spTree>
+      <p:nvGrpSpPr>
+        <p:cNvPr id="1" name=""/>
+        <p:cNvGrpSpPr/>
+        <p:nvPr/>
+      </p:nvGrpSpPr>
+      <p:grpSpPr/>
+      <p:pic>
+        <p:nvPicPr>
+          <p:cNvPr id="49" name="图片 49"/>
+          <p:cNvPicPr>
+            <a:picLocks noChangeAspect="1"/>
+          </p:cNvPicPr>
+          <p:nvPr/>
+        </p:nvPicPr>
+        <p:blipFill>
+          <a:blip r:embed="rId1"/>
+          <a:stretch>
+            <a:fillRect/>
+          </a:stretch>
+        </p:blipFill>
+        <p:spPr>
+          <a:xfrm>
+            <a:off x="4744085" y="1883410"/>
+            <a:ext cx="2260600" cy="2273300"/>
+          </a:xfrm>
+          <a:prstGeom prst="rect">
+            <a:avLst/>
+          </a:prstGeom>
+        </p:spPr>
+      </p:pic>
+    </p:spTree>
+  </p:cSld>
+  <p:clrMapOvr>
+    <a:masterClrMapping/>
+  </p:clrMapOvr>
+</p:sld>
+</file>
+
+<file path=ppt/slides/slide10.xml><?xml version="1.0" encoding="utf-8"?>
+<p:sld xmlns:a="http://schemas.openxmlformats.org/drawingml/2006/main" xmlns:r="http://schemas.openxmlformats.org/officeDocument/2006/relationships" xmlns:p="http://schemas.openxmlformats.org/presentationml/2006/main">
+  <p:cSld>
+    <p:bg>
+      <p:bgPr>
+        <a:solidFill>
+          <a:schemeClr val="bg1"/>
+        </a:solidFill>
+        <a:effectLst/>
+      </p:bgPr>
+    </p:bg>
+    <p:spTree>
+      <p:nvGrpSpPr>
+        <p:cNvPr id="1" name=""/>
+        <p:cNvGrpSpPr/>
+        <p:nvPr/>
+      </p:nvGrpSpPr>
+      <p:grpSpPr/>
+      <p:pic>
+        <p:nvPicPr>
+          <p:cNvPr id="45" name="图片 45"/>
+          <p:cNvPicPr>
+            <a:picLocks noChangeAspect="1"/>
+          </p:cNvPicPr>
+          <p:nvPr/>
+        </p:nvPicPr>
+        <p:blipFill>
+          <a:blip r:embed="rId1"/>
+          <a:stretch>
+            <a:fillRect/>
+          </a:stretch>
+        </p:blipFill>
+        <p:spPr>
+          <a:xfrm>
+            <a:off x="4972050" y="2286000"/>
+            <a:ext cx="2247900" cy="2286000"/>
+          </a:xfrm>
+          <a:prstGeom prst="rect">
+            <a:avLst/>
+          </a:prstGeom>
+        </p:spPr>
+      </p:pic>
+    </p:spTree>
+  </p:cSld>
+  <p:clrMapOvr>
+    <a:masterClrMapping/>
+  </p:clrMapOvr>
+</p:sld>
+</file>
+
+<file path=ppt/slides/slide2.xml><?xml version="1.0" encoding="utf-8"?>
+<p:sld xmlns:a="http://schemas.openxmlformats.org/drawingml/2006/main" xmlns:r="http://schemas.openxmlformats.org/officeDocument/2006/relationships" xmlns:p="http://schemas.openxmlformats.org/presentationml/2006/main">
+  <p:cSld>
     <p:spTree>
       <p:nvGrpSpPr>
         <p:cNvPr id="1" name=""/>
@@ -4760,7 +4862,7 @@
 </p:sld>
 </file>
 
-<file path=ppt/slides/slide2.xml><?xml version="1.0" encoding="utf-8"?>
+<file path=ppt/slides/slide3.xml><?xml version="1.0" encoding="utf-8"?>
 <p:sld xmlns:a="http://schemas.openxmlformats.org/drawingml/2006/main" xmlns:r="http://schemas.openxmlformats.org/officeDocument/2006/relationships" xmlns:p="http://schemas.openxmlformats.org/presentationml/2006/main">
   <p:cSld>
     <p:spTree>
@@ -5288,7 +5390,7 @@
 </p:sld>
 </file>
 
-<file path=ppt/slides/slide3.xml><?xml version="1.0" encoding="utf-8"?>
+<file path=ppt/slides/slide4.xml><?xml version="1.0" encoding="utf-8"?>
 <p:sld xmlns:a="http://schemas.openxmlformats.org/drawingml/2006/main" xmlns:r="http://schemas.openxmlformats.org/officeDocument/2006/relationships" xmlns:p="http://schemas.openxmlformats.org/presentationml/2006/main">
   <p:cSld>
     <p:spTree>
@@ -8835,7 +8937,7 @@
 </p:sld>
 </file>
 
-<file path=ppt/slides/slide4.xml><?xml version="1.0" encoding="utf-8"?>
+<file path=ppt/slides/slide5.xml><?xml version="1.0" encoding="utf-8"?>
 <p:sld xmlns:a="http://schemas.openxmlformats.org/drawingml/2006/main" xmlns:r="http://schemas.openxmlformats.org/officeDocument/2006/relationships" xmlns:p="http://schemas.openxmlformats.org/presentationml/2006/main">
   <p:cSld>
     <p:spTree>
@@ -12375,7 +12477,7 @@
 </p:sld>
 </file>
 
-<file path=ppt/slides/slide5.xml><?xml version="1.0" encoding="utf-8"?>
+<file path=ppt/slides/slide6.xml><?xml version="1.0" encoding="utf-8"?>
 <p:sld xmlns:a="http://schemas.openxmlformats.org/drawingml/2006/main" xmlns:r="http://schemas.openxmlformats.org/officeDocument/2006/relationships" xmlns:p="http://schemas.openxmlformats.org/presentationml/2006/main">
   <p:cSld>
     <p:spTree>
@@ -15708,7 +15810,7 @@
 </p:sld>
 </file>
 
-<file path=ppt/slides/slide6.xml><?xml version="1.0" encoding="utf-8"?>
+<file path=ppt/slides/slide7.xml><?xml version="1.0" encoding="utf-8"?>
 <p:sld xmlns:a="http://schemas.openxmlformats.org/drawingml/2006/main" xmlns:r="http://schemas.openxmlformats.org/officeDocument/2006/relationships" xmlns:p="http://schemas.openxmlformats.org/presentationml/2006/main">
   <p:cSld>
     <p:spTree>
@@ -18272,7 +18374,7 @@
 </p:sld>
 </file>
 
-<file path=ppt/slides/slide7.xml><?xml version="1.0" encoding="utf-8"?>
+<file path=ppt/slides/slide8.xml><?xml version="1.0" encoding="utf-8"?>
 <p:sld xmlns:a="http://schemas.openxmlformats.org/drawingml/2006/main" xmlns:r="http://schemas.openxmlformats.org/officeDocument/2006/relationships" xmlns:p="http://schemas.openxmlformats.org/presentationml/2006/main">
   <p:cSld>
     <p:spTree>
@@ -19161,7 +19263,7 @@
 </p:sld>
 </file>
 
-<file path=ppt/slides/slide8.xml><?xml version="1.0" encoding="utf-8"?>
+<file path=ppt/slides/slide9.xml><?xml version="1.0" encoding="utf-8"?>
 <p:sld xmlns:a="http://schemas.openxmlformats.org/drawingml/2006/main" xmlns:r="http://schemas.openxmlformats.org/officeDocument/2006/relationships" xmlns:p="http://schemas.openxmlformats.org/presentationml/2006/main">
   <p:cSld>
     <p:spTree>
